--- a/material/figures/introduction/nonlinear resonator.pptx
+++ b/material/figures/introduction/nonlinear resonator.pptx
@@ -288,7 +288,8 @@
           <a:p>
             <a:fld id="{501078D7-A3FC-43B8-AA97-A4C6095A8325}" type="datetimeFigureOut">
               <a:rPr lang="de-DE" smtClean="0"/>
-              <a:t>26.05.2012</a:t>
+              <a:pPr/>
+              <a:t>12.07.2012</a:t>
             </a:fld>
             <a:endParaRPr lang="de-DE"/>
           </a:p>
@@ -330,6 +331,7 @@
           <a:p>
             <a:fld id="{E2156C06-48DD-48C5-8E2C-93FEFD101C7A}" type="slidenum">
               <a:rPr lang="de-DE" smtClean="0"/>
+              <a:pPr/>
               <a:t>‹Nr.›</a:t>
             </a:fld>
             <a:endParaRPr lang="de-DE"/>
@@ -453,7 +455,8 @@
           <a:p>
             <a:fld id="{501078D7-A3FC-43B8-AA97-A4C6095A8325}" type="datetimeFigureOut">
               <a:rPr lang="de-DE" smtClean="0"/>
-              <a:t>26.05.2012</a:t>
+              <a:pPr/>
+              <a:t>12.07.2012</a:t>
             </a:fld>
             <a:endParaRPr lang="de-DE"/>
           </a:p>
@@ -495,6 +498,7 @@
           <a:p>
             <a:fld id="{E2156C06-48DD-48C5-8E2C-93FEFD101C7A}" type="slidenum">
               <a:rPr lang="de-DE" smtClean="0"/>
+              <a:pPr/>
               <a:t>‹Nr.›</a:t>
             </a:fld>
             <a:endParaRPr lang="de-DE"/>
@@ -628,7 +632,8 @@
           <a:p>
             <a:fld id="{501078D7-A3FC-43B8-AA97-A4C6095A8325}" type="datetimeFigureOut">
               <a:rPr lang="de-DE" smtClean="0"/>
-              <a:t>26.05.2012</a:t>
+              <a:pPr/>
+              <a:t>12.07.2012</a:t>
             </a:fld>
             <a:endParaRPr lang="de-DE"/>
           </a:p>
@@ -670,6 +675,7 @@
           <a:p>
             <a:fld id="{E2156C06-48DD-48C5-8E2C-93FEFD101C7A}" type="slidenum">
               <a:rPr lang="de-DE" smtClean="0"/>
+              <a:pPr/>
               <a:t>‹Nr.›</a:t>
             </a:fld>
             <a:endParaRPr lang="de-DE"/>
@@ -793,7 +799,8 @@
           <a:p>
             <a:fld id="{501078D7-A3FC-43B8-AA97-A4C6095A8325}" type="datetimeFigureOut">
               <a:rPr lang="de-DE" smtClean="0"/>
-              <a:t>26.05.2012</a:t>
+              <a:pPr/>
+              <a:t>12.07.2012</a:t>
             </a:fld>
             <a:endParaRPr lang="de-DE"/>
           </a:p>
@@ -835,6 +842,7 @@
           <a:p>
             <a:fld id="{E2156C06-48DD-48C5-8E2C-93FEFD101C7A}" type="slidenum">
               <a:rPr lang="de-DE" smtClean="0"/>
+              <a:pPr/>
               <a:t>‹Nr.›</a:t>
             </a:fld>
             <a:endParaRPr lang="de-DE"/>
@@ -1034,7 +1042,8 @@
           <a:p>
             <a:fld id="{501078D7-A3FC-43B8-AA97-A4C6095A8325}" type="datetimeFigureOut">
               <a:rPr lang="de-DE" smtClean="0"/>
-              <a:t>26.05.2012</a:t>
+              <a:pPr/>
+              <a:t>12.07.2012</a:t>
             </a:fld>
             <a:endParaRPr lang="de-DE"/>
           </a:p>
@@ -1076,6 +1085,7 @@
           <a:p>
             <a:fld id="{E2156C06-48DD-48C5-8E2C-93FEFD101C7A}" type="slidenum">
               <a:rPr lang="de-DE" smtClean="0"/>
+              <a:pPr/>
               <a:t>‹Nr.›</a:t>
             </a:fld>
             <a:endParaRPr lang="de-DE"/>
@@ -1317,7 +1327,8 @@
           <a:p>
             <a:fld id="{501078D7-A3FC-43B8-AA97-A4C6095A8325}" type="datetimeFigureOut">
               <a:rPr lang="de-DE" smtClean="0"/>
-              <a:t>26.05.2012</a:t>
+              <a:pPr/>
+              <a:t>12.07.2012</a:t>
             </a:fld>
             <a:endParaRPr lang="de-DE"/>
           </a:p>
@@ -1359,6 +1370,7 @@
           <a:p>
             <a:fld id="{E2156C06-48DD-48C5-8E2C-93FEFD101C7A}" type="slidenum">
               <a:rPr lang="de-DE" smtClean="0"/>
+              <a:pPr/>
               <a:t>‹Nr.›</a:t>
             </a:fld>
             <a:endParaRPr lang="de-DE"/>
@@ -1734,7 +1746,8 @@
           <a:p>
             <a:fld id="{501078D7-A3FC-43B8-AA97-A4C6095A8325}" type="datetimeFigureOut">
               <a:rPr lang="de-DE" smtClean="0"/>
-              <a:t>26.05.2012</a:t>
+              <a:pPr/>
+              <a:t>12.07.2012</a:t>
             </a:fld>
             <a:endParaRPr lang="de-DE"/>
           </a:p>
@@ -1776,6 +1789,7 @@
           <a:p>
             <a:fld id="{E2156C06-48DD-48C5-8E2C-93FEFD101C7A}" type="slidenum">
               <a:rPr lang="de-DE" smtClean="0"/>
+              <a:pPr/>
               <a:t>‹Nr.›</a:t>
             </a:fld>
             <a:endParaRPr lang="de-DE"/>
@@ -1847,7 +1861,8 @@
           <a:p>
             <a:fld id="{501078D7-A3FC-43B8-AA97-A4C6095A8325}" type="datetimeFigureOut">
               <a:rPr lang="de-DE" smtClean="0"/>
-              <a:t>26.05.2012</a:t>
+              <a:pPr/>
+              <a:t>12.07.2012</a:t>
             </a:fld>
             <a:endParaRPr lang="de-DE"/>
           </a:p>
@@ -1889,6 +1904,7 @@
           <a:p>
             <a:fld id="{E2156C06-48DD-48C5-8E2C-93FEFD101C7A}" type="slidenum">
               <a:rPr lang="de-DE" smtClean="0"/>
+              <a:pPr/>
               <a:t>‹Nr.›</a:t>
             </a:fld>
             <a:endParaRPr lang="de-DE"/>
@@ -1937,7 +1953,8 @@
           <a:p>
             <a:fld id="{501078D7-A3FC-43B8-AA97-A4C6095A8325}" type="datetimeFigureOut">
               <a:rPr lang="de-DE" smtClean="0"/>
-              <a:t>26.05.2012</a:t>
+              <a:pPr/>
+              <a:t>12.07.2012</a:t>
             </a:fld>
             <a:endParaRPr lang="de-DE"/>
           </a:p>
@@ -1979,6 +1996,7 @@
           <a:p>
             <a:fld id="{E2156C06-48DD-48C5-8E2C-93FEFD101C7A}" type="slidenum">
               <a:rPr lang="de-DE" smtClean="0"/>
+              <a:pPr/>
               <a:t>‹Nr.›</a:t>
             </a:fld>
             <a:endParaRPr lang="de-DE"/>
@@ -2209,7 +2227,8 @@
           <a:p>
             <a:fld id="{501078D7-A3FC-43B8-AA97-A4C6095A8325}" type="datetimeFigureOut">
               <a:rPr lang="de-DE" smtClean="0"/>
-              <a:t>26.05.2012</a:t>
+              <a:pPr/>
+              <a:t>12.07.2012</a:t>
             </a:fld>
             <a:endParaRPr lang="de-DE"/>
           </a:p>
@@ -2251,6 +2270,7 @@
           <a:p>
             <a:fld id="{E2156C06-48DD-48C5-8E2C-93FEFD101C7A}" type="slidenum">
               <a:rPr lang="de-DE" smtClean="0"/>
+              <a:pPr/>
               <a:t>‹Nr.›</a:t>
             </a:fld>
             <a:endParaRPr lang="de-DE"/>
@@ -2457,7 +2477,8 @@
           <a:p>
             <a:fld id="{501078D7-A3FC-43B8-AA97-A4C6095A8325}" type="datetimeFigureOut">
               <a:rPr lang="de-DE" smtClean="0"/>
-              <a:t>26.05.2012</a:t>
+              <a:pPr/>
+              <a:t>12.07.2012</a:t>
             </a:fld>
             <a:endParaRPr lang="de-DE"/>
           </a:p>
@@ -2499,6 +2520,7 @@
           <a:p>
             <a:fld id="{E2156C06-48DD-48C5-8E2C-93FEFD101C7A}" type="slidenum">
               <a:rPr lang="de-DE" smtClean="0"/>
+              <a:pPr/>
               <a:t>‹Nr.›</a:t>
             </a:fld>
             <a:endParaRPr lang="de-DE"/>
@@ -2665,7 +2687,8 @@
           <a:p>
             <a:fld id="{501078D7-A3FC-43B8-AA97-A4C6095A8325}" type="datetimeFigureOut">
               <a:rPr lang="de-DE" smtClean="0"/>
-              <a:t>26.05.2012</a:t>
+              <a:pPr/>
+              <a:t>12.07.2012</a:t>
             </a:fld>
             <a:endParaRPr lang="de-DE"/>
           </a:p>
@@ -2743,6 +2766,7 @@
           <a:p>
             <a:fld id="{E2156C06-48DD-48C5-8E2C-93FEFD101C7A}" type="slidenum">
               <a:rPr lang="de-DE" smtClean="0"/>
+              <a:pPr/>
               <a:t>‹Nr.›</a:t>
             </a:fld>
             <a:endParaRPr lang="de-DE"/>
@@ -3035,6 +3059,168 @@
           <a:chExt cx="0" cy="0"/>
         </a:xfrm>
       </p:grpSpPr>
+      <p:cxnSp>
+        <p:nvCxnSpPr>
+          <p:cNvPr id="75" name="Gerade Verbindung 74"/>
+          <p:cNvCxnSpPr/>
+          <p:nvPr/>
+        </p:nvCxnSpPr>
+        <p:spPr>
+          <a:xfrm flipH="1">
+            <a:off x="4716016" y="1518496"/>
+            <a:ext cx="255717" cy="0"/>
+          </a:xfrm>
+          <a:prstGeom prst="line">
+            <a:avLst/>
+          </a:prstGeom>
+          <a:ln w="19050">
+            <a:solidFill>
+              <a:schemeClr val="tx1"/>
+            </a:solidFill>
+          </a:ln>
+        </p:spPr>
+        <p:style>
+          <a:lnRef idx="1">
+            <a:schemeClr val="accent1"/>
+          </a:lnRef>
+          <a:fillRef idx="0">
+            <a:schemeClr val="accent1"/>
+          </a:fillRef>
+          <a:effectRef idx="0">
+            <a:schemeClr val="accent1"/>
+          </a:effectRef>
+          <a:fontRef idx="minor">
+            <a:schemeClr val="tx1"/>
+          </a:fontRef>
+        </p:style>
+      </p:cxnSp>
+      <p:cxnSp>
+        <p:nvCxnSpPr>
+          <p:cNvPr id="22" name="Gerade Verbindung 21"/>
+          <p:cNvCxnSpPr/>
+          <p:nvPr/>
+        </p:nvCxnSpPr>
+        <p:spPr>
+          <a:xfrm>
+            <a:off x="1907704" y="2794190"/>
+            <a:ext cx="3017979" cy="768"/>
+          </a:xfrm>
+          <a:prstGeom prst="line">
+            <a:avLst/>
+          </a:prstGeom>
+          <a:ln w="19050">
+            <a:solidFill>
+              <a:schemeClr val="tx1"/>
+            </a:solidFill>
+          </a:ln>
+        </p:spPr>
+        <p:style>
+          <a:lnRef idx="1">
+            <a:schemeClr val="accent1"/>
+          </a:lnRef>
+          <a:fillRef idx="0">
+            <a:schemeClr val="accent1"/>
+          </a:fillRef>
+          <a:effectRef idx="0">
+            <a:schemeClr val="accent1"/>
+          </a:effectRef>
+          <a:fontRef idx="minor">
+            <a:schemeClr val="tx1"/>
+          </a:fontRef>
+        </p:style>
+      </p:cxnSp>
+      <p:sp>
+        <p:nvSpPr>
+          <p:cNvPr id="51" name="Rechteck 50"/>
+          <p:cNvSpPr/>
+          <p:nvPr/>
+        </p:nvSpPr>
+        <p:spPr>
+          <a:xfrm>
+            <a:off x="3069339" y="2641126"/>
+            <a:ext cx="134509" cy="288032"/>
+          </a:xfrm>
+          <a:prstGeom prst="rect">
+            <a:avLst/>
+          </a:prstGeom>
+          <a:solidFill>
+            <a:schemeClr val="bg1"/>
+          </a:solidFill>
+          <a:ln>
+            <a:noFill/>
+          </a:ln>
+        </p:spPr>
+        <p:style>
+          <a:lnRef idx="2">
+            <a:schemeClr val="accent1">
+              <a:shade val="50000"/>
+            </a:schemeClr>
+          </a:lnRef>
+          <a:fillRef idx="1">
+            <a:schemeClr val="accent1"/>
+          </a:fillRef>
+          <a:effectRef idx="0">
+            <a:schemeClr val="accent1"/>
+          </a:effectRef>
+          <a:fontRef idx="minor">
+            <a:schemeClr val="lt1"/>
+          </a:fontRef>
+        </p:style>
+        <p:txBody>
+          <a:bodyPr rtlCol="0" anchor="ctr"/>
+          <a:lstStyle/>
+          <a:p>
+            <a:pPr algn="ctr"/>
+            <a:endParaRPr lang="de-DE"/>
+          </a:p>
+        </p:txBody>
+      </p:sp>
+      <p:sp>
+        <p:nvSpPr>
+          <p:cNvPr id="50" name="Rechteck 49"/>
+          <p:cNvSpPr/>
+          <p:nvPr/>
+        </p:nvSpPr>
+        <p:spPr>
+          <a:xfrm>
+            <a:off x="3562752" y="2713134"/>
+            <a:ext cx="418812" cy="144016"/>
+          </a:xfrm>
+          <a:prstGeom prst="rect">
+            <a:avLst/>
+          </a:prstGeom>
+          <a:solidFill>
+            <a:schemeClr val="bg1"/>
+          </a:solidFill>
+          <a:ln>
+            <a:noFill/>
+          </a:ln>
+        </p:spPr>
+        <p:style>
+          <a:lnRef idx="2">
+            <a:schemeClr val="accent1">
+              <a:shade val="50000"/>
+            </a:schemeClr>
+          </a:lnRef>
+          <a:fillRef idx="1">
+            <a:schemeClr val="accent1"/>
+          </a:fillRef>
+          <a:effectRef idx="0">
+            <a:schemeClr val="accent1"/>
+          </a:effectRef>
+          <a:fontRef idx="minor">
+            <a:schemeClr val="lt1"/>
+          </a:fontRef>
+        </p:style>
+        <p:txBody>
+          <a:bodyPr rtlCol="0" anchor="ctr"/>
+          <a:lstStyle/>
+          <a:p>
+            <a:pPr algn="ctr"/>
+            <a:endParaRPr lang="de-DE"/>
+          </a:p>
+        </p:txBody>
+      </p:sp>
       <p:grpSp>
         <p:nvGrpSpPr>
           <p:cNvPr id="7" name="Gruppieren 6"/>
@@ -3043,7 +3229,7 @@
         </p:nvGrpSpPr>
         <p:grpSpPr>
           <a:xfrm>
-            <a:off x="2413893" y="2312732"/>
+            <a:off x="4283968" y="2694666"/>
             <a:ext cx="216024" cy="216024"/>
             <a:chOff x="2771800" y="2348880"/>
             <a:chExt cx="288032" cy="288032"/>
@@ -3128,8 +3314,8 @@
         </p:nvCxnSpPr>
         <p:spPr>
           <a:xfrm>
-            <a:off x="3141972" y="1628800"/>
-            <a:ext cx="8965" cy="1440160"/>
+            <a:off x="5580112" y="2780928"/>
+            <a:ext cx="0" cy="432048"/>
           </a:xfrm>
           <a:prstGeom prst="line">
             <a:avLst/>
@@ -3165,7 +3351,7 @@
         </p:nvCxnSpPr>
         <p:spPr>
           <a:xfrm>
-            <a:off x="2915816" y="3068960"/>
+            <a:off x="5364088" y="3212976"/>
             <a:ext cx="432048" cy="0"/>
           </a:xfrm>
           <a:prstGeom prst="line">
@@ -3200,7 +3386,7 @@
         </p:nvCxnSpPr>
         <p:spPr>
           <a:xfrm flipH="1">
-            <a:off x="2987824" y="3140968"/>
+            <a:off x="5436096" y="3284984"/>
             <a:ext cx="288032" cy="0"/>
           </a:xfrm>
           <a:prstGeom prst="line">
@@ -3235,7 +3421,7 @@
         </p:nvCxnSpPr>
         <p:spPr>
           <a:xfrm flipH="1">
-            <a:off x="3059832" y="3212976"/>
+            <a:off x="5508104" y="3356992"/>
             <a:ext cx="144016" cy="0"/>
           </a:xfrm>
           <a:prstGeom prst="line">
@@ -3262,41 +3448,6 @@
           </a:fontRef>
         </p:style>
       </p:cxnSp>
-      <p:cxnSp>
-        <p:nvCxnSpPr>
-          <p:cNvPr id="19" name="Gerade Verbindung 18"/>
-          <p:cNvCxnSpPr/>
-          <p:nvPr/>
-        </p:nvCxnSpPr>
-        <p:spPr>
-          <a:xfrm flipV="1">
-            <a:off x="2195736" y="1628800"/>
-            <a:ext cx="0" cy="360040"/>
-          </a:xfrm>
-          <a:prstGeom prst="line">
-            <a:avLst/>
-          </a:prstGeom>
-          <a:ln w="19050">
-            <a:solidFill>
-              <a:schemeClr val="tx1"/>
-            </a:solidFill>
-          </a:ln>
-        </p:spPr>
-        <p:style>
-          <a:lnRef idx="1">
-            <a:schemeClr val="accent1"/>
-          </a:lnRef>
-          <a:fillRef idx="0">
-            <a:schemeClr val="accent1"/>
-          </a:fillRef>
-          <a:effectRef idx="0">
-            <a:schemeClr val="accent1"/>
-          </a:effectRef>
-          <a:fontRef idx="minor">
-            <a:schemeClr val="tx1"/>
-          </a:fontRef>
-        </p:style>
-      </p:cxnSp>
       <p:sp>
         <p:nvSpPr>
           <p:cNvPr id="20" name="Ellipse 19"/>
@@ -3305,7 +3456,7 @@
         </p:nvSpPr>
         <p:spPr>
           <a:xfrm>
-            <a:off x="2490542" y="1448636"/>
+            <a:off x="4938814" y="2610016"/>
             <a:ext cx="360040" cy="360040"/>
           </a:xfrm>
           <a:prstGeom prst="ellipse">
@@ -3357,8 +3508,8 @@
         </p:nvSpPr>
         <p:spPr>
           <a:xfrm>
-            <a:off x="2481719" y="1465039"/>
-            <a:ext cx="352981" cy="307777"/>
+            <a:off x="4959646" y="2626419"/>
+            <a:ext cx="293670" cy="307777"/>
           </a:xfrm>
           <a:prstGeom prst="rect">
             <a:avLst/>
@@ -3375,7 +3526,7 @@
           <a:p>
             <a:pPr algn="ctr"/>
             <a:r>
-              <a:rPr lang="de-DE" sz="1400" i="1" dirty="0" err="1" smtClean="0">
+              <a:rPr lang="de-DE" sz="1400" i="1" dirty="0" smtClean="0">
                 <a:solidFill>
                   <a:schemeClr val="tx1"/>
                 </a:solidFill>
@@ -3384,16 +3535,6 @@
               </a:rPr>
               <a:t>V</a:t>
             </a:r>
-            <a:r>
-              <a:rPr lang="de-DE" sz="1400" i="1" baseline="-25000" dirty="0" err="1" smtClean="0">
-                <a:solidFill>
-                  <a:schemeClr val="tx1"/>
-                </a:solidFill>
-                <a:latin typeface="Times New Roman" pitchFamily="18" charset="0"/>
-                <a:cs typeface="Times New Roman" pitchFamily="18" charset="0"/>
-              </a:rPr>
-              <a:t>g</a:t>
-            </a:r>
             <a:endParaRPr lang="de-DE" sz="2000" i="1" baseline="-25000" dirty="0">
               <a:solidFill>
                 <a:schemeClr val="tx1"/>
@@ -3406,14 +3547,16 @@
       </p:sp>
       <p:cxnSp>
         <p:nvCxnSpPr>
-          <p:cNvPr id="22" name="Gerade Verbindung 21"/>
-          <p:cNvCxnSpPr/>
+          <p:cNvPr id="23" name="Gerade Verbindung 22"/>
+          <p:cNvCxnSpPr>
+            <a:endCxn id="20" idx="6"/>
+          </p:cNvCxnSpPr>
           <p:nvPr/>
         </p:nvCxnSpPr>
         <p:spPr>
-          <a:xfrm>
-            <a:off x="2186771" y="1637438"/>
-            <a:ext cx="288032" cy="0"/>
+          <a:xfrm flipH="1" flipV="1">
+            <a:off x="5298854" y="2790036"/>
+            <a:ext cx="281258" cy="144"/>
           </a:xfrm>
           <a:prstGeom prst="line">
             <a:avLst/>
@@ -3439,362 +3582,93 @@
           </a:fontRef>
         </p:style>
       </p:cxnSp>
-      <p:cxnSp>
-        <p:nvCxnSpPr>
-          <p:cNvPr id="23" name="Gerade Verbindung 22"/>
-          <p:cNvCxnSpPr/>
+      <p:grpSp>
+        <p:nvGrpSpPr>
+          <p:cNvPr id="46" name="Gruppieren 45"/>
+          <p:cNvGrpSpPr/>
           <p:nvPr/>
-        </p:nvCxnSpPr>
-        <p:spPr>
-          <a:xfrm flipH="1">
-            <a:off x="2862026" y="1637438"/>
-            <a:ext cx="288032" cy="0"/>
-          </a:xfrm>
-          <a:prstGeom prst="line">
-            <a:avLst/>
-          </a:prstGeom>
-          <a:ln w="19050">
-            <a:solidFill>
+        </p:nvGrpSpPr>
+        <p:grpSpPr>
+          <a:xfrm rot="5400000">
+            <a:off x="2991899" y="2739636"/>
+            <a:ext cx="288032" cy="107868"/>
+            <a:chOff x="2123728" y="2169004"/>
+            <a:chExt cx="288032" cy="107868"/>
+          </a:xfrm>
+        </p:grpSpPr>
+        <p:cxnSp>
+          <p:nvCxnSpPr>
+            <p:cNvPr id="27" name="Gerade Verbindung 26"/>
+            <p:cNvCxnSpPr/>
+            <p:nvPr/>
+          </p:nvCxnSpPr>
+          <p:spPr>
+            <a:xfrm>
+              <a:off x="2123728" y="2276872"/>
+              <a:ext cx="288032" cy="0"/>
+            </a:xfrm>
+            <a:prstGeom prst="line">
+              <a:avLst/>
+            </a:prstGeom>
+            <a:ln w="19050">
+              <a:solidFill>
+                <a:schemeClr val="tx1"/>
+              </a:solidFill>
+              <a:prstDash val="solid"/>
+            </a:ln>
+          </p:spPr>
+          <p:style>
+            <a:lnRef idx="1">
+              <a:schemeClr val="accent1"/>
+            </a:lnRef>
+            <a:fillRef idx="0">
+              <a:schemeClr val="accent1"/>
+            </a:fillRef>
+            <a:effectRef idx="0">
+              <a:schemeClr val="accent1"/>
+            </a:effectRef>
+            <a:fontRef idx="minor">
               <a:schemeClr val="tx1"/>
-            </a:solidFill>
-          </a:ln>
-        </p:spPr>
-        <p:style>
-          <a:lnRef idx="1">
-            <a:schemeClr val="accent1"/>
-          </a:lnRef>
-          <a:fillRef idx="0">
-            <a:schemeClr val="accent1"/>
-          </a:fillRef>
-          <a:effectRef idx="0">
-            <a:schemeClr val="accent1"/>
-          </a:effectRef>
-          <a:fontRef idx="minor">
-            <a:schemeClr val="tx1"/>
-          </a:fontRef>
-        </p:style>
-      </p:cxnSp>
-      <p:cxnSp>
-        <p:nvCxnSpPr>
-          <p:cNvPr id="24" name="Gerade Verbindung 23"/>
-          <p:cNvCxnSpPr/>
-          <p:nvPr/>
-        </p:nvCxnSpPr>
-        <p:spPr>
-          <a:xfrm flipH="1">
-            <a:off x="1799150" y="1997805"/>
-            <a:ext cx="732471" cy="0"/>
-          </a:xfrm>
-          <a:prstGeom prst="line">
-            <a:avLst/>
-          </a:prstGeom>
-          <a:ln w="19050">
-            <a:solidFill>
+            </a:fontRef>
+          </p:style>
+        </p:cxnSp>
+        <p:cxnSp>
+          <p:nvCxnSpPr>
+            <p:cNvPr id="28" name="Gerade Verbindung 27"/>
+            <p:cNvCxnSpPr/>
+            <p:nvPr/>
+          </p:nvCxnSpPr>
+          <p:spPr>
+            <a:xfrm>
+              <a:off x="2123728" y="2169004"/>
+              <a:ext cx="288032" cy="0"/>
+            </a:xfrm>
+            <a:prstGeom prst="line">
+              <a:avLst/>
+            </a:prstGeom>
+            <a:ln w="19050">
+              <a:solidFill>
+                <a:schemeClr val="tx1"/>
+              </a:solidFill>
+              <a:prstDash val="solid"/>
+            </a:ln>
+          </p:spPr>
+          <p:style>
+            <a:lnRef idx="1">
+              <a:schemeClr val="accent1"/>
+            </a:lnRef>
+            <a:fillRef idx="0">
+              <a:schemeClr val="accent1"/>
+            </a:fillRef>
+            <a:effectRef idx="0">
+              <a:schemeClr val="accent1"/>
+            </a:effectRef>
+            <a:fontRef idx="minor">
               <a:schemeClr val="tx1"/>
-            </a:solidFill>
-            <a:prstDash val="solid"/>
-          </a:ln>
-        </p:spPr>
-        <p:style>
-          <a:lnRef idx="1">
-            <a:schemeClr val="accent1"/>
-          </a:lnRef>
-          <a:fillRef idx="0">
-            <a:schemeClr val="accent1"/>
-          </a:fillRef>
-          <a:effectRef idx="0">
-            <a:schemeClr val="accent1"/>
-          </a:effectRef>
-          <a:fontRef idx="minor">
-            <a:schemeClr val="tx1"/>
-          </a:fontRef>
-        </p:style>
-      </p:cxnSp>
-      <p:cxnSp>
-        <p:nvCxnSpPr>
-          <p:cNvPr id="25" name="Gerade Verbindung 24"/>
-          <p:cNvCxnSpPr/>
-          <p:nvPr/>
-        </p:nvCxnSpPr>
-        <p:spPr>
-          <a:xfrm flipH="1">
-            <a:off x="1793341" y="2781194"/>
-            <a:ext cx="734557" cy="0"/>
-          </a:xfrm>
-          <a:prstGeom prst="line">
-            <a:avLst/>
-          </a:prstGeom>
-          <a:ln w="19050">
-            <a:solidFill>
-              <a:schemeClr val="tx1"/>
-            </a:solidFill>
-            <a:prstDash val="solid"/>
-          </a:ln>
-        </p:spPr>
-        <p:style>
-          <a:lnRef idx="1">
-            <a:schemeClr val="accent1"/>
-          </a:lnRef>
-          <a:fillRef idx="0">
-            <a:schemeClr val="accent1"/>
-          </a:fillRef>
-          <a:effectRef idx="0">
-            <a:schemeClr val="accent1"/>
-          </a:effectRef>
-          <a:fontRef idx="minor">
-            <a:schemeClr val="tx1"/>
-          </a:fontRef>
-        </p:style>
-      </p:cxnSp>
-      <p:cxnSp>
-        <p:nvCxnSpPr>
-          <p:cNvPr id="26" name="Gerade Verbindung 25"/>
-          <p:cNvCxnSpPr/>
-          <p:nvPr/>
-        </p:nvCxnSpPr>
-        <p:spPr>
-          <a:xfrm flipH="1">
-            <a:off x="1802194" y="1988840"/>
-            <a:ext cx="384" cy="387080"/>
-          </a:xfrm>
-          <a:prstGeom prst="line">
-            <a:avLst/>
-          </a:prstGeom>
-          <a:ln w="19050">
-            <a:solidFill>
-              <a:schemeClr val="tx1"/>
-            </a:solidFill>
-            <a:prstDash val="solid"/>
-          </a:ln>
-        </p:spPr>
-        <p:style>
-          <a:lnRef idx="1">
-            <a:schemeClr val="accent1"/>
-          </a:lnRef>
-          <a:fillRef idx="0">
-            <a:schemeClr val="accent1"/>
-          </a:fillRef>
-          <a:effectRef idx="0">
-            <a:schemeClr val="accent1"/>
-          </a:effectRef>
-          <a:fontRef idx="minor">
-            <a:schemeClr val="tx1"/>
-          </a:fontRef>
-        </p:style>
-      </p:cxnSp>
-      <p:cxnSp>
-        <p:nvCxnSpPr>
-          <p:cNvPr id="27" name="Gerade Verbindung 26"/>
-          <p:cNvCxnSpPr/>
-          <p:nvPr/>
-        </p:nvCxnSpPr>
-        <p:spPr>
-          <a:xfrm>
-            <a:off x="1655134" y="2483643"/>
-            <a:ext cx="288032" cy="0"/>
-          </a:xfrm>
-          <a:prstGeom prst="line">
-            <a:avLst/>
-          </a:prstGeom>
-          <a:ln w="19050">
-            <a:solidFill>
-              <a:schemeClr val="tx1"/>
-            </a:solidFill>
-            <a:prstDash val="solid"/>
-          </a:ln>
-        </p:spPr>
-        <p:style>
-          <a:lnRef idx="1">
-            <a:schemeClr val="accent1"/>
-          </a:lnRef>
-          <a:fillRef idx="0">
-            <a:schemeClr val="accent1"/>
-          </a:fillRef>
-          <a:effectRef idx="0">
-            <a:schemeClr val="accent1"/>
-          </a:effectRef>
-          <a:fontRef idx="minor">
-            <a:schemeClr val="tx1"/>
-          </a:fontRef>
-        </p:style>
-      </p:cxnSp>
-      <p:cxnSp>
-        <p:nvCxnSpPr>
-          <p:cNvPr id="28" name="Gerade Verbindung 27"/>
-          <p:cNvCxnSpPr/>
-          <p:nvPr/>
-        </p:nvCxnSpPr>
-        <p:spPr>
-          <a:xfrm>
-            <a:off x="1655134" y="2375775"/>
-            <a:ext cx="288032" cy="0"/>
-          </a:xfrm>
-          <a:prstGeom prst="line">
-            <a:avLst/>
-          </a:prstGeom>
-          <a:ln w="19050">
-            <a:solidFill>
-              <a:schemeClr val="tx1"/>
-            </a:solidFill>
-            <a:prstDash val="solid"/>
-          </a:ln>
-        </p:spPr>
-        <p:style>
-          <a:lnRef idx="1">
-            <a:schemeClr val="accent1"/>
-          </a:lnRef>
-          <a:fillRef idx="0">
-            <a:schemeClr val="accent1"/>
-          </a:fillRef>
-          <a:effectRef idx="0">
-            <a:schemeClr val="accent1"/>
-          </a:effectRef>
-          <a:fontRef idx="minor">
-            <a:schemeClr val="tx1"/>
-          </a:fontRef>
-        </p:style>
-      </p:cxnSp>
-      <p:cxnSp>
-        <p:nvCxnSpPr>
-          <p:cNvPr id="29" name="Gerade Verbindung 28"/>
-          <p:cNvCxnSpPr/>
-          <p:nvPr/>
-        </p:nvCxnSpPr>
-        <p:spPr>
-          <a:xfrm flipH="1">
-            <a:off x="1802576" y="2492896"/>
-            <a:ext cx="1" cy="288032"/>
-          </a:xfrm>
-          <a:prstGeom prst="line">
-            <a:avLst/>
-          </a:prstGeom>
-          <a:ln w="19050">
-            <a:solidFill>
-              <a:schemeClr val="tx1"/>
-            </a:solidFill>
-            <a:prstDash val="solid"/>
-          </a:ln>
-        </p:spPr>
-        <p:style>
-          <a:lnRef idx="1">
-            <a:schemeClr val="accent1"/>
-          </a:lnRef>
-          <a:fillRef idx="0">
-            <a:schemeClr val="accent1"/>
-          </a:fillRef>
-          <a:effectRef idx="0">
-            <a:schemeClr val="accent1"/>
-          </a:effectRef>
-          <a:fontRef idx="minor">
-            <a:schemeClr val="tx1"/>
-          </a:fontRef>
-        </p:style>
-      </p:cxnSp>
-      <p:cxnSp>
-        <p:nvCxnSpPr>
-          <p:cNvPr id="30" name="Gerade Verbindung 29"/>
-          <p:cNvCxnSpPr/>
-          <p:nvPr/>
-        </p:nvCxnSpPr>
-        <p:spPr>
-          <a:xfrm>
-            <a:off x="1987311" y="3068960"/>
-            <a:ext cx="432048" cy="0"/>
-          </a:xfrm>
-          <a:prstGeom prst="line">
-            <a:avLst/>
-          </a:prstGeom>
-          <a:ln w="19050">
-            <a:solidFill>
-              <a:schemeClr val="tx1"/>
-            </a:solidFill>
-          </a:ln>
-        </p:spPr>
-        <p:style>
-          <a:lnRef idx="1">
-            <a:schemeClr val="accent1"/>
-          </a:lnRef>
-          <a:fillRef idx="0">
-            <a:schemeClr val="accent1"/>
-          </a:fillRef>
-          <a:effectRef idx="0">
-            <a:schemeClr val="accent1"/>
-          </a:effectRef>
-          <a:fontRef idx="minor">
-            <a:schemeClr val="tx1"/>
-          </a:fontRef>
-        </p:style>
-      </p:cxnSp>
-      <p:cxnSp>
-        <p:nvCxnSpPr>
-          <p:cNvPr id="31" name="Gerade Verbindung 30"/>
-          <p:cNvCxnSpPr/>
-          <p:nvPr/>
-        </p:nvCxnSpPr>
-        <p:spPr>
-          <a:xfrm flipH="1">
-            <a:off x="2059319" y="3140968"/>
-            <a:ext cx="288032" cy="0"/>
-          </a:xfrm>
-          <a:prstGeom prst="line">
-            <a:avLst/>
-          </a:prstGeom>
-          <a:ln w="19050">
-            <a:solidFill>
-              <a:schemeClr val="tx1"/>
-            </a:solidFill>
-          </a:ln>
-        </p:spPr>
-        <p:style>
-          <a:lnRef idx="1">
-            <a:schemeClr val="accent1"/>
-          </a:lnRef>
-          <a:fillRef idx="0">
-            <a:schemeClr val="accent1"/>
-          </a:fillRef>
-          <a:effectRef idx="0">
-            <a:schemeClr val="accent1"/>
-          </a:effectRef>
-          <a:fontRef idx="minor">
-            <a:schemeClr val="tx1"/>
-          </a:fontRef>
-        </p:style>
-      </p:cxnSp>
-      <p:cxnSp>
-        <p:nvCxnSpPr>
-          <p:cNvPr id="32" name="Gerade Verbindung 31"/>
-          <p:cNvCxnSpPr/>
-          <p:nvPr/>
-        </p:nvCxnSpPr>
-        <p:spPr>
-          <a:xfrm flipH="1">
-            <a:off x="2131327" y="3212976"/>
-            <a:ext cx="144016" cy="0"/>
-          </a:xfrm>
-          <a:prstGeom prst="line">
-            <a:avLst/>
-          </a:prstGeom>
-          <a:ln w="19050">
-            <a:solidFill>
-              <a:schemeClr val="tx1"/>
-            </a:solidFill>
-          </a:ln>
-        </p:spPr>
-        <p:style>
-          <a:lnRef idx="1">
-            <a:schemeClr val="accent1"/>
-          </a:lnRef>
-          <a:fillRef idx="0">
-            <a:schemeClr val="accent1"/>
-          </a:fillRef>
-          <a:effectRef idx="0">
-            <a:schemeClr val="accent1"/>
-          </a:effectRef>
-          <a:fontRef idx="minor">
-            <a:schemeClr val="tx1"/>
-          </a:fontRef>
-        </p:style>
-      </p:cxnSp>
+            </a:fontRef>
+          </p:style>
+        </p:cxnSp>
+      </p:grpSp>
       <p:sp>
         <p:nvSpPr>
           <p:cNvPr id="33" name="Textfeld 32"/>
@@ -3803,8 +3677,8 @@
         </p:nvSpPr>
         <p:spPr>
           <a:xfrm>
-            <a:off x="1326230" y="2225036"/>
-            <a:ext cx="338554" cy="369332"/>
+            <a:off x="2915816" y="2204864"/>
+            <a:ext cx="407484" cy="369332"/>
           </a:xfrm>
           <a:prstGeom prst="rect">
             <a:avLst/>
@@ -3818,12 +3692,19 @@
           <a:lstStyle/>
           <a:p>
             <a:r>
-              <a:rPr lang="de-DE" i="1" dirty="0" smtClean="0">
+              <a:rPr lang="de-DE" i="1" dirty="0" err="1" smtClean="0">
                 <a:latin typeface="Times New Roman" pitchFamily="18" charset="0"/>
                 <a:cs typeface="Times New Roman" pitchFamily="18" charset="0"/>
               </a:rPr>
               <a:t>C</a:t>
             </a:r>
+            <a:r>
+              <a:rPr lang="de-DE" i="1" baseline="-25000" dirty="0" err="1" smtClean="0">
+                <a:latin typeface="Times New Roman" pitchFamily="18" charset="0"/>
+                <a:cs typeface="Times New Roman" pitchFamily="18" charset="0"/>
+              </a:rPr>
+              <a:t>e</a:t>
+            </a:r>
             <a:endParaRPr lang="de-DE" i="1" baseline="-25000" dirty="0">
               <a:latin typeface="Times New Roman" pitchFamily="18" charset="0"/>
               <a:cs typeface="Times New Roman" pitchFamily="18" charset="0"/>
@@ -3839,7 +3720,7 @@
         </p:nvSpPr>
         <p:spPr>
           <a:xfrm>
-            <a:off x="2632052" y="2204864"/>
+            <a:off x="4211960" y="2204864"/>
             <a:ext cx="381836" cy="369332"/>
           </a:xfrm>
           <a:prstGeom prst="rect">
@@ -3881,8 +3762,8 @@
           <p:nvPr/>
         </p:nvGrpSpPr>
         <p:grpSpPr>
-          <a:xfrm flipH="1" flipV="1">
-            <a:off x="2123330" y="2204864"/>
+          <a:xfrm rot="5556335" flipH="1" flipV="1">
+            <a:off x="3692381" y="2600361"/>
             <a:ext cx="156407" cy="407237"/>
             <a:chOff x="3263465" y="1394775"/>
             <a:chExt cx="384822" cy="1577366"/>
@@ -4077,16 +3958,59 @@
           </p:txBody>
         </p:sp>
       </p:grpSp>
+      <p:sp>
+        <p:nvSpPr>
+          <p:cNvPr id="67" name="Textfeld 66"/>
+          <p:cNvSpPr txBox="1"/>
+          <p:nvPr/>
+        </p:nvSpPr>
+        <p:spPr>
+          <a:xfrm>
+            <a:off x="3614100" y="2204864"/>
+            <a:ext cx="381836" cy="369332"/>
+          </a:xfrm>
+          <a:prstGeom prst="rect">
+            <a:avLst/>
+          </a:prstGeom>
+          <a:noFill/>
+        </p:spPr>
+        <p:txBody>
+          <a:bodyPr wrap="none" rtlCol="0">
+            <a:spAutoFit/>
+          </a:bodyPr>
+          <a:lstStyle/>
+          <a:p>
+            <a:r>
+              <a:rPr lang="de-DE" i="1" dirty="0" smtClean="0">
+                <a:latin typeface="Times New Roman" pitchFamily="18" charset="0"/>
+                <a:cs typeface="Times New Roman" pitchFamily="18" charset="0"/>
+              </a:rPr>
+              <a:t>L</a:t>
+            </a:r>
+            <a:r>
+              <a:rPr lang="de-DE" i="1" baseline="-25000" dirty="0" smtClean="0">
+                <a:latin typeface="Times New Roman" pitchFamily="18" charset="0"/>
+                <a:cs typeface="Times New Roman" pitchFamily="18" charset="0"/>
+              </a:rPr>
+              <a:t>e</a:t>
+            </a:r>
+            <a:endParaRPr lang="de-DE" i="1" baseline="-25000" dirty="0">
+              <a:latin typeface="Times New Roman" pitchFamily="18" charset="0"/>
+              <a:cs typeface="Times New Roman" pitchFamily="18" charset="0"/>
+            </a:endParaRPr>
+          </a:p>
+        </p:txBody>
+      </p:sp>
       <p:cxnSp>
         <p:nvCxnSpPr>
-          <p:cNvPr id="38" name="Gerade Verbindung 37"/>
+          <p:cNvPr id="52" name="Gerade Verbindung 51"/>
           <p:cNvCxnSpPr/>
           <p:nvPr/>
         </p:nvCxnSpPr>
         <p:spPr>
-          <a:xfrm flipV="1">
-            <a:off x="2204935" y="2611486"/>
-            <a:ext cx="0" cy="174774"/>
+          <a:xfrm>
+            <a:off x="1907704" y="2785142"/>
+            <a:ext cx="0" cy="432048"/>
           </a:xfrm>
           <a:prstGeom prst="line">
             <a:avLst/>
@@ -4095,7 +4019,6 @@
             <a:solidFill>
               <a:schemeClr val="tx1"/>
             </a:solidFill>
-            <a:prstDash val="solid"/>
             <a:headEnd type="none" w="med" len="med"/>
             <a:tailEnd type="none" w="med" len="med"/>
           </a:ln>
@@ -4117,16 +4040,14 @@
       </p:cxnSp>
       <p:cxnSp>
         <p:nvCxnSpPr>
-          <p:cNvPr id="39" name="Gerade Verbindung 38"/>
-          <p:cNvCxnSpPr>
-            <a:stCxn id="43" idx="2"/>
-          </p:cNvCxnSpPr>
+          <p:cNvPr id="53" name="Gerade Verbindung 52"/>
+          <p:cNvCxnSpPr/>
           <p:nvPr/>
         </p:nvCxnSpPr>
         <p:spPr>
-          <a:xfrm flipV="1">
-            <a:off x="2199443" y="1993443"/>
-            <a:ext cx="426" cy="211506"/>
+          <a:xfrm>
+            <a:off x="1691680" y="3217190"/>
+            <a:ext cx="432048" cy="0"/>
           </a:xfrm>
           <a:prstGeom prst="line">
             <a:avLst/>
@@ -4135,9 +4056,6 @@
             <a:solidFill>
               <a:schemeClr val="tx1"/>
             </a:solidFill>
-            <a:prstDash val="solid"/>
-            <a:headEnd type="none" w="med" len="med"/>
-            <a:tailEnd type="none" w="med" len="med"/>
           </a:ln>
         </p:spPr>
         <p:style>
@@ -4157,14 +4075,14 @@
       </p:cxnSp>
       <p:cxnSp>
         <p:nvCxnSpPr>
-          <p:cNvPr id="45" name="Gerade Verbindung 44"/>
+          <p:cNvPr id="54" name="Gerade Verbindung 53"/>
           <p:cNvCxnSpPr/>
           <p:nvPr/>
         </p:nvCxnSpPr>
         <p:spPr>
-          <a:xfrm flipV="1">
-            <a:off x="2522656" y="1988840"/>
-            <a:ext cx="0" cy="792088"/>
+          <a:xfrm flipH="1">
+            <a:off x="1763688" y="3289198"/>
+            <a:ext cx="288032" cy="0"/>
           </a:xfrm>
           <a:prstGeom prst="line">
             <a:avLst/>
@@ -4173,9 +4091,6 @@
             <a:solidFill>
               <a:schemeClr val="tx1"/>
             </a:solidFill>
-            <a:prstDash val="solid"/>
-            <a:headEnd type="none" w="med" len="med"/>
-            <a:tailEnd type="none" w="med" len="med"/>
           </a:ln>
         </p:spPr>
         <p:style>
@@ -4195,14 +4110,14 @@
       </p:cxnSp>
       <p:cxnSp>
         <p:nvCxnSpPr>
-          <p:cNvPr id="61" name="Gerade Verbindung 60"/>
+          <p:cNvPr id="55" name="Gerade Verbindung 54"/>
           <p:cNvCxnSpPr/>
           <p:nvPr/>
         </p:nvCxnSpPr>
         <p:spPr>
-          <a:xfrm flipV="1">
-            <a:off x="2203335" y="2780928"/>
-            <a:ext cx="0" cy="288032"/>
+          <a:xfrm flipH="1">
+            <a:off x="1835696" y="3361206"/>
+            <a:ext cx="144016" cy="0"/>
           </a:xfrm>
           <a:prstGeom prst="line">
             <a:avLst/>
@@ -4230,14 +4145,915 @@
       </p:cxnSp>
       <p:sp>
         <p:nvSpPr>
-          <p:cNvPr id="67" name="Textfeld 66"/>
+          <p:cNvPr id="30" name="Ellipse 29"/>
+          <p:cNvSpPr/>
+          <p:nvPr/>
+        </p:nvSpPr>
+        <p:spPr>
+          <a:xfrm>
+            <a:off x="2060129" y="1411788"/>
+            <a:ext cx="127859" cy="216024"/>
+          </a:xfrm>
+          <a:prstGeom prst="ellipse">
+            <a:avLst/>
+          </a:prstGeom>
+          <a:solidFill>
+            <a:schemeClr val="bg1"/>
+          </a:solidFill>
+          <a:ln w="19050">
+            <a:solidFill>
+              <a:schemeClr val="tx1"/>
+            </a:solidFill>
+          </a:ln>
+        </p:spPr>
+        <p:style>
+          <a:lnRef idx="2">
+            <a:schemeClr val="accent1">
+              <a:shade val="50000"/>
+            </a:schemeClr>
+          </a:lnRef>
+          <a:fillRef idx="1">
+            <a:schemeClr val="accent1"/>
+          </a:fillRef>
+          <a:effectRef idx="0">
+            <a:schemeClr val="accent1"/>
+          </a:effectRef>
+          <a:fontRef idx="minor">
+            <a:schemeClr val="lt1"/>
+          </a:fontRef>
+        </p:style>
+        <p:txBody>
+          <a:bodyPr rtlCol="0" anchor="ctr"/>
+          <a:lstStyle/>
+          <a:p>
+            <a:pPr algn="ctr"/>
+            <a:endParaRPr lang="de-DE"/>
+          </a:p>
+        </p:txBody>
+      </p:sp>
+      <p:cxnSp>
+        <p:nvCxnSpPr>
+          <p:cNvPr id="31" name="Gerade Verbindung 30"/>
+          <p:cNvCxnSpPr/>
+          <p:nvPr/>
+        </p:nvCxnSpPr>
+        <p:spPr>
+          <a:xfrm>
+            <a:off x="2123728" y="1412776"/>
+            <a:ext cx="936104" cy="0"/>
+          </a:xfrm>
+          <a:prstGeom prst="line">
+            <a:avLst/>
+          </a:prstGeom>
+          <a:ln w="19050">
+            <a:solidFill>
+              <a:schemeClr val="tx1"/>
+            </a:solidFill>
+          </a:ln>
+        </p:spPr>
+        <p:style>
+          <a:lnRef idx="1">
+            <a:schemeClr val="accent1"/>
+          </a:lnRef>
+          <a:fillRef idx="0">
+            <a:schemeClr val="accent1"/>
+          </a:fillRef>
+          <a:effectRef idx="0">
+            <a:schemeClr val="accent1"/>
+          </a:effectRef>
+          <a:fontRef idx="minor">
+            <a:schemeClr val="tx1"/>
+          </a:fontRef>
+        </p:style>
+      </p:cxnSp>
+      <p:cxnSp>
+        <p:nvCxnSpPr>
+          <p:cNvPr id="32" name="Gerade Verbindung 31"/>
+          <p:cNvCxnSpPr/>
+          <p:nvPr/>
+        </p:nvCxnSpPr>
+        <p:spPr>
+          <a:xfrm>
+            <a:off x="2128735" y="1627881"/>
+            <a:ext cx="931097" cy="919"/>
+          </a:xfrm>
+          <a:prstGeom prst="line">
+            <a:avLst/>
+          </a:prstGeom>
+          <a:ln w="19050">
+            <a:solidFill>
+              <a:schemeClr val="tx1"/>
+            </a:solidFill>
+          </a:ln>
+        </p:spPr>
+        <p:style>
+          <a:lnRef idx="1">
+            <a:schemeClr val="accent1"/>
+          </a:lnRef>
+          <a:fillRef idx="0">
+            <a:schemeClr val="accent1"/>
+          </a:fillRef>
+          <a:effectRef idx="0">
+            <a:schemeClr val="accent1"/>
+          </a:effectRef>
+          <a:fontRef idx="minor">
+            <a:schemeClr val="tx1"/>
+          </a:fontRef>
+        </p:style>
+      </p:cxnSp>
+      <p:sp>
+        <p:nvSpPr>
+          <p:cNvPr id="35" name="Bogen 34"/>
+          <p:cNvSpPr/>
+          <p:nvPr/>
+        </p:nvSpPr>
+        <p:spPr>
+          <a:xfrm>
+            <a:off x="2943149" y="1408522"/>
+            <a:ext cx="192905" cy="219359"/>
+          </a:xfrm>
+          <a:prstGeom prst="arc">
+            <a:avLst>
+              <a:gd name="adj1" fmla="val 15992582"/>
+              <a:gd name="adj2" fmla="val 5304258"/>
+            </a:avLst>
+          </a:prstGeom>
+          <a:ln w="19050">
+            <a:solidFill>
+              <a:schemeClr val="tx1"/>
+            </a:solidFill>
+          </a:ln>
+        </p:spPr>
+        <p:style>
+          <a:lnRef idx="1">
+            <a:schemeClr val="accent1"/>
+          </a:lnRef>
+          <a:fillRef idx="0">
+            <a:schemeClr val="accent1"/>
+          </a:fillRef>
+          <a:effectRef idx="0">
+            <a:schemeClr val="accent1"/>
+          </a:effectRef>
+          <a:fontRef idx="minor">
+            <a:schemeClr val="tx1"/>
+          </a:fontRef>
+        </p:style>
+        <p:txBody>
+          <a:bodyPr rtlCol="0" anchor="ctr"/>
+          <a:lstStyle/>
+          <a:p>
+            <a:pPr algn="ctr"/>
+            <a:endParaRPr lang="de-DE"/>
+          </a:p>
+        </p:txBody>
+      </p:sp>
+      <p:sp>
+        <p:nvSpPr>
+          <p:cNvPr id="49" name="Ellipse 48"/>
+          <p:cNvSpPr/>
+          <p:nvPr/>
+        </p:nvSpPr>
+        <p:spPr>
+          <a:xfrm>
+            <a:off x="3640091" y="1412707"/>
+            <a:ext cx="127859" cy="216024"/>
+          </a:xfrm>
+          <a:prstGeom prst="ellipse">
+            <a:avLst/>
+          </a:prstGeom>
+          <a:solidFill>
+            <a:schemeClr val="bg1"/>
+          </a:solidFill>
+          <a:ln w="19050">
+            <a:solidFill>
+              <a:schemeClr val="tx1"/>
+            </a:solidFill>
+          </a:ln>
+        </p:spPr>
+        <p:style>
+          <a:lnRef idx="2">
+            <a:schemeClr val="accent1">
+              <a:shade val="50000"/>
+            </a:schemeClr>
+          </a:lnRef>
+          <a:fillRef idx="1">
+            <a:schemeClr val="accent1"/>
+          </a:fillRef>
+          <a:effectRef idx="0">
+            <a:schemeClr val="accent1"/>
+          </a:effectRef>
+          <a:fontRef idx="minor">
+            <a:schemeClr val="lt1"/>
+          </a:fontRef>
+        </p:style>
+        <p:txBody>
+          <a:bodyPr rtlCol="0" anchor="ctr"/>
+          <a:lstStyle/>
+          <a:p>
+            <a:pPr algn="ctr"/>
+            <a:endParaRPr lang="de-DE"/>
+          </a:p>
+        </p:txBody>
+      </p:sp>
+      <p:cxnSp>
+        <p:nvCxnSpPr>
+          <p:cNvPr id="56" name="Gerade Verbindung 55"/>
+          <p:cNvCxnSpPr/>
+          <p:nvPr/>
+        </p:nvCxnSpPr>
+        <p:spPr>
+          <a:xfrm>
+            <a:off x="3703690" y="1413695"/>
+            <a:ext cx="936104" cy="0"/>
+          </a:xfrm>
+          <a:prstGeom prst="line">
+            <a:avLst/>
+          </a:prstGeom>
+          <a:ln w="19050">
+            <a:solidFill>
+              <a:schemeClr val="tx1"/>
+            </a:solidFill>
+          </a:ln>
+        </p:spPr>
+        <p:style>
+          <a:lnRef idx="1">
+            <a:schemeClr val="accent1"/>
+          </a:lnRef>
+          <a:fillRef idx="0">
+            <a:schemeClr val="accent1"/>
+          </a:fillRef>
+          <a:effectRef idx="0">
+            <a:schemeClr val="accent1"/>
+          </a:effectRef>
+          <a:fontRef idx="minor">
+            <a:schemeClr val="tx1"/>
+          </a:fontRef>
+        </p:style>
+      </p:cxnSp>
+      <p:cxnSp>
+        <p:nvCxnSpPr>
+          <p:cNvPr id="57" name="Gerade Verbindung 56"/>
+          <p:cNvCxnSpPr/>
+          <p:nvPr/>
+        </p:nvCxnSpPr>
+        <p:spPr>
+          <a:xfrm>
+            <a:off x="3708697" y="1628800"/>
+            <a:ext cx="931097" cy="919"/>
+          </a:xfrm>
+          <a:prstGeom prst="line">
+            <a:avLst/>
+          </a:prstGeom>
+          <a:ln w="19050">
+            <a:solidFill>
+              <a:schemeClr val="tx1"/>
+            </a:solidFill>
+          </a:ln>
+        </p:spPr>
+        <p:style>
+          <a:lnRef idx="1">
+            <a:schemeClr val="accent1"/>
+          </a:lnRef>
+          <a:fillRef idx="0">
+            <a:schemeClr val="accent1"/>
+          </a:fillRef>
+          <a:effectRef idx="0">
+            <a:schemeClr val="accent1"/>
+          </a:effectRef>
+          <a:fontRef idx="minor">
+            <a:schemeClr val="tx1"/>
+          </a:fontRef>
+        </p:style>
+      </p:cxnSp>
+      <p:sp>
+        <p:nvSpPr>
+          <p:cNvPr id="58" name="Bogen 57"/>
+          <p:cNvSpPr/>
+          <p:nvPr/>
+        </p:nvSpPr>
+        <p:spPr>
+          <a:xfrm>
+            <a:off x="4523111" y="1409441"/>
+            <a:ext cx="192905" cy="219359"/>
+          </a:xfrm>
+          <a:prstGeom prst="arc">
+            <a:avLst>
+              <a:gd name="adj1" fmla="val 15992582"/>
+              <a:gd name="adj2" fmla="val 5304258"/>
+            </a:avLst>
+          </a:prstGeom>
+          <a:ln w="19050">
+            <a:solidFill>
+              <a:schemeClr val="tx1"/>
+            </a:solidFill>
+          </a:ln>
+        </p:spPr>
+        <p:style>
+          <a:lnRef idx="1">
+            <a:schemeClr val="accent1"/>
+          </a:lnRef>
+          <a:fillRef idx="0">
+            <a:schemeClr val="accent1"/>
+          </a:fillRef>
+          <a:effectRef idx="0">
+            <a:schemeClr val="accent1"/>
+          </a:effectRef>
+          <a:fontRef idx="minor">
+            <a:schemeClr val="tx1"/>
+          </a:fontRef>
+        </p:style>
+        <p:txBody>
+          <a:bodyPr rtlCol="0" anchor="ctr"/>
+          <a:lstStyle/>
+          <a:p>
+            <a:pPr algn="ctr"/>
+            <a:endParaRPr lang="de-DE"/>
+          </a:p>
+        </p:txBody>
+      </p:sp>
+      <p:grpSp>
+        <p:nvGrpSpPr>
+          <p:cNvPr id="63" name="Gruppieren 62"/>
+          <p:cNvGrpSpPr/>
+          <p:nvPr/>
+        </p:nvGrpSpPr>
+        <p:grpSpPr>
+          <a:xfrm>
+            <a:off x="3275856" y="1412776"/>
+            <a:ext cx="216024" cy="216024"/>
+            <a:chOff x="2771800" y="2348880"/>
+            <a:chExt cx="288032" cy="288032"/>
+          </a:xfrm>
+        </p:grpSpPr>
+        <p:cxnSp>
+          <p:nvCxnSpPr>
+            <p:cNvPr id="64" name="Gerade Verbindung 63"/>
+            <p:cNvCxnSpPr/>
+            <p:nvPr/>
+          </p:nvCxnSpPr>
+          <p:spPr>
+            <a:xfrm>
+              <a:off x="2771800" y="2348880"/>
+              <a:ext cx="288032" cy="288032"/>
+            </a:xfrm>
+            <a:prstGeom prst="line">
+              <a:avLst/>
+            </a:prstGeom>
+            <a:ln w="19050">
+              <a:solidFill>
+                <a:schemeClr val="tx1"/>
+              </a:solidFill>
+            </a:ln>
+          </p:spPr>
+          <p:style>
+            <a:lnRef idx="1">
+              <a:schemeClr val="accent1"/>
+            </a:lnRef>
+            <a:fillRef idx="0">
+              <a:schemeClr val="accent1"/>
+            </a:fillRef>
+            <a:effectRef idx="0">
+              <a:schemeClr val="accent1"/>
+            </a:effectRef>
+            <a:fontRef idx="minor">
+              <a:schemeClr val="tx1"/>
+            </a:fontRef>
+          </p:style>
+        </p:cxnSp>
+        <p:cxnSp>
+          <p:nvCxnSpPr>
+            <p:cNvPr id="65" name="Gerade Verbindung 64"/>
+            <p:cNvCxnSpPr/>
+            <p:nvPr/>
+          </p:nvCxnSpPr>
+          <p:spPr>
+            <a:xfrm flipV="1">
+              <a:off x="2771800" y="2348880"/>
+              <a:ext cx="288032" cy="288032"/>
+            </a:xfrm>
+            <a:prstGeom prst="line">
+              <a:avLst/>
+            </a:prstGeom>
+            <a:ln w="19050">
+              <a:solidFill>
+                <a:schemeClr val="tx1"/>
+              </a:solidFill>
+            </a:ln>
+          </p:spPr>
+          <p:style>
+            <a:lnRef idx="1">
+              <a:schemeClr val="accent1"/>
+            </a:lnRef>
+            <a:fillRef idx="0">
+              <a:schemeClr val="accent1"/>
+            </a:fillRef>
+            <a:effectRef idx="0">
+              <a:schemeClr val="accent1"/>
+            </a:effectRef>
+            <a:fontRef idx="minor">
+              <a:schemeClr val="tx1"/>
+            </a:fontRef>
+          </p:style>
+        </p:cxnSp>
+      </p:grpSp>
+      <p:cxnSp>
+        <p:nvCxnSpPr>
+          <p:cNvPr id="66" name="Gerade Verbindung 65"/>
+          <p:cNvCxnSpPr/>
+          <p:nvPr/>
+        </p:nvCxnSpPr>
+        <p:spPr>
+          <a:xfrm flipH="1">
+            <a:off x="1873992" y="1518866"/>
+            <a:ext cx="255717" cy="0"/>
+          </a:xfrm>
+          <a:prstGeom prst="line">
+            <a:avLst/>
+          </a:prstGeom>
+          <a:ln w="19050">
+            <a:solidFill>
+              <a:schemeClr val="tx1"/>
+            </a:solidFill>
+          </a:ln>
+        </p:spPr>
+        <p:style>
+          <a:lnRef idx="1">
+            <a:schemeClr val="accent1"/>
+          </a:lnRef>
+          <a:fillRef idx="0">
+            <a:schemeClr val="accent1"/>
+          </a:fillRef>
+          <a:effectRef idx="0">
+            <a:schemeClr val="accent1"/>
+          </a:effectRef>
+          <a:fontRef idx="minor">
+            <a:schemeClr val="tx1"/>
+          </a:fontRef>
+        </p:style>
+      </p:cxnSp>
+      <p:sp>
+        <p:nvSpPr>
+          <p:cNvPr id="68" name="Ellipse 67"/>
+          <p:cNvSpPr/>
+          <p:nvPr/>
+        </p:nvSpPr>
+        <p:spPr>
+          <a:xfrm>
+            <a:off x="4940863" y="1324365"/>
+            <a:ext cx="360040" cy="360040"/>
+          </a:xfrm>
+          <a:prstGeom prst="ellipse">
+            <a:avLst/>
+          </a:prstGeom>
+          <a:solidFill>
+            <a:schemeClr val="bg1"/>
+          </a:solidFill>
+          <a:ln w="19050">
+            <a:solidFill>
+              <a:schemeClr val="tx1"/>
+            </a:solidFill>
+          </a:ln>
+        </p:spPr>
+        <p:style>
+          <a:lnRef idx="2">
+            <a:schemeClr val="accent1">
+              <a:shade val="50000"/>
+            </a:schemeClr>
+          </a:lnRef>
+          <a:fillRef idx="1">
+            <a:schemeClr val="accent1"/>
+          </a:fillRef>
+          <a:effectRef idx="0">
+            <a:schemeClr val="accent1"/>
+          </a:effectRef>
+          <a:fontRef idx="minor">
+            <a:schemeClr val="lt1"/>
+          </a:fontRef>
+        </p:style>
+        <p:txBody>
+          <a:bodyPr rtlCol="0" anchor="ctr"/>
+          <a:lstStyle/>
+          <a:p>
+            <a:pPr algn="ctr"/>
+            <a:endParaRPr lang="de-DE" sz="1400" i="1" baseline="-25000" dirty="0">
+              <a:solidFill>
+                <a:schemeClr val="tx1"/>
+              </a:solidFill>
+              <a:latin typeface="Times New Roman" pitchFamily="18" charset="0"/>
+              <a:cs typeface="Times New Roman" pitchFamily="18" charset="0"/>
+            </a:endParaRPr>
+          </a:p>
+        </p:txBody>
+      </p:sp>
+      <p:sp>
+        <p:nvSpPr>
+          <p:cNvPr id="69" name="Rechteck 68"/>
+          <p:cNvSpPr/>
+          <p:nvPr/>
+        </p:nvSpPr>
+        <p:spPr>
+          <a:xfrm>
+            <a:off x="4961695" y="1340768"/>
+            <a:ext cx="293670" cy="307777"/>
+          </a:xfrm>
+          <a:prstGeom prst="rect">
+            <a:avLst/>
+          </a:prstGeom>
+          <a:ln w="19050">
+            <a:noFill/>
+          </a:ln>
+        </p:spPr>
+        <p:txBody>
+          <a:bodyPr wrap="none">
+            <a:spAutoFit/>
+          </a:bodyPr>
+          <a:lstStyle/>
+          <a:p>
+            <a:pPr algn="ctr"/>
+            <a:r>
+              <a:rPr lang="de-DE" sz="1400" i="1" dirty="0" smtClean="0">
+                <a:solidFill>
+                  <a:schemeClr val="tx1"/>
+                </a:solidFill>
+                <a:latin typeface="Times New Roman" pitchFamily="18" charset="0"/>
+                <a:cs typeface="Times New Roman" pitchFamily="18" charset="0"/>
+              </a:rPr>
+              <a:t>V</a:t>
+            </a:r>
+            <a:endParaRPr lang="de-DE" sz="2000" i="1" baseline="-25000" dirty="0">
+              <a:solidFill>
+                <a:schemeClr val="tx1"/>
+              </a:solidFill>
+              <a:latin typeface="Times New Roman" pitchFamily="18" charset="0"/>
+              <a:cs typeface="Times New Roman" pitchFamily="18" charset="0"/>
+            </a:endParaRPr>
+          </a:p>
+        </p:txBody>
+      </p:sp>
+      <p:cxnSp>
+        <p:nvCxnSpPr>
+          <p:cNvPr id="70" name="Gerade Verbindung 69"/>
+          <p:cNvCxnSpPr/>
+          <p:nvPr/>
+        </p:nvCxnSpPr>
+        <p:spPr>
+          <a:xfrm>
+            <a:off x="5580112" y="1501640"/>
+            <a:ext cx="0" cy="432048"/>
+          </a:xfrm>
+          <a:prstGeom prst="line">
+            <a:avLst/>
+          </a:prstGeom>
+          <a:ln w="19050">
+            <a:solidFill>
+              <a:schemeClr val="tx1"/>
+            </a:solidFill>
+            <a:headEnd type="none" w="med" len="med"/>
+            <a:tailEnd type="none" w="med" len="med"/>
+          </a:ln>
+        </p:spPr>
+        <p:style>
+          <a:lnRef idx="1">
+            <a:schemeClr val="accent1"/>
+          </a:lnRef>
+          <a:fillRef idx="0">
+            <a:schemeClr val="accent1"/>
+          </a:fillRef>
+          <a:effectRef idx="0">
+            <a:schemeClr val="accent1"/>
+          </a:effectRef>
+          <a:fontRef idx="minor">
+            <a:schemeClr val="tx1"/>
+          </a:fontRef>
+        </p:style>
+      </p:cxnSp>
+      <p:cxnSp>
+        <p:nvCxnSpPr>
+          <p:cNvPr id="71" name="Gerade Verbindung 70"/>
+          <p:cNvCxnSpPr/>
+          <p:nvPr/>
+        </p:nvCxnSpPr>
+        <p:spPr>
+          <a:xfrm>
+            <a:off x="5364088" y="1933688"/>
+            <a:ext cx="432048" cy="0"/>
+          </a:xfrm>
+          <a:prstGeom prst="line">
+            <a:avLst/>
+          </a:prstGeom>
+          <a:ln w="19050">
+            <a:solidFill>
+              <a:schemeClr val="tx1"/>
+            </a:solidFill>
+          </a:ln>
+        </p:spPr>
+        <p:style>
+          <a:lnRef idx="1">
+            <a:schemeClr val="accent1"/>
+          </a:lnRef>
+          <a:fillRef idx="0">
+            <a:schemeClr val="accent1"/>
+          </a:fillRef>
+          <a:effectRef idx="0">
+            <a:schemeClr val="accent1"/>
+          </a:effectRef>
+          <a:fontRef idx="minor">
+            <a:schemeClr val="tx1"/>
+          </a:fontRef>
+        </p:style>
+      </p:cxnSp>
+      <p:cxnSp>
+        <p:nvCxnSpPr>
+          <p:cNvPr id="72" name="Gerade Verbindung 71"/>
+          <p:cNvCxnSpPr/>
+          <p:nvPr/>
+        </p:nvCxnSpPr>
+        <p:spPr>
+          <a:xfrm flipH="1">
+            <a:off x="5436096" y="2005696"/>
+            <a:ext cx="288032" cy="0"/>
+          </a:xfrm>
+          <a:prstGeom prst="line">
+            <a:avLst/>
+          </a:prstGeom>
+          <a:ln w="19050">
+            <a:solidFill>
+              <a:schemeClr val="tx1"/>
+            </a:solidFill>
+          </a:ln>
+        </p:spPr>
+        <p:style>
+          <a:lnRef idx="1">
+            <a:schemeClr val="accent1"/>
+          </a:lnRef>
+          <a:fillRef idx="0">
+            <a:schemeClr val="accent1"/>
+          </a:fillRef>
+          <a:effectRef idx="0">
+            <a:schemeClr val="accent1"/>
+          </a:effectRef>
+          <a:fontRef idx="minor">
+            <a:schemeClr val="tx1"/>
+          </a:fontRef>
+        </p:style>
+      </p:cxnSp>
+      <p:cxnSp>
+        <p:nvCxnSpPr>
+          <p:cNvPr id="73" name="Gerade Verbindung 72"/>
+          <p:cNvCxnSpPr/>
+          <p:nvPr/>
+        </p:nvCxnSpPr>
+        <p:spPr>
+          <a:xfrm flipH="1">
+            <a:off x="5508104" y="2077704"/>
+            <a:ext cx="144016" cy="0"/>
+          </a:xfrm>
+          <a:prstGeom prst="line">
+            <a:avLst/>
+          </a:prstGeom>
+          <a:ln w="19050">
+            <a:solidFill>
+              <a:schemeClr val="tx1"/>
+            </a:solidFill>
+          </a:ln>
+        </p:spPr>
+        <p:style>
+          <a:lnRef idx="1">
+            <a:schemeClr val="accent1"/>
+          </a:lnRef>
+          <a:fillRef idx="0">
+            <a:schemeClr val="accent1"/>
+          </a:fillRef>
+          <a:effectRef idx="0">
+            <a:schemeClr val="accent1"/>
+          </a:effectRef>
+          <a:fontRef idx="minor">
+            <a:schemeClr val="tx1"/>
+          </a:fontRef>
+        </p:style>
+      </p:cxnSp>
+      <p:cxnSp>
+        <p:nvCxnSpPr>
+          <p:cNvPr id="74" name="Gerade Verbindung 73"/>
+          <p:cNvCxnSpPr/>
+          <p:nvPr/>
+        </p:nvCxnSpPr>
+        <p:spPr>
+          <a:xfrm flipH="1" flipV="1">
+            <a:off x="5298854" y="1510748"/>
+            <a:ext cx="281258" cy="144"/>
+          </a:xfrm>
+          <a:prstGeom prst="line">
+            <a:avLst/>
+          </a:prstGeom>
+          <a:ln w="19050">
+            <a:solidFill>
+              <a:schemeClr val="tx1"/>
+            </a:solidFill>
+          </a:ln>
+        </p:spPr>
+        <p:style>
+          <a:lnRef idx="1">
+            <a:schemeClr val="accent1"/>
+          </a:lnRef>
+          <a:fillRef idx="0">
+            <a:schemeClr val="accent1"/>
+          </a:fillRef>
+          <a:effectRef idx="0">
+            <a:schemeClr val="accent1"/>
+          </a:effectRef>
+          <a:fontRef idx="minor">
+            <a:schemeClr val="tx1"/>
+          </a:fontRef>
+        </p:style>
+      </p:cxnSp>
+      <p:cxnSp>
+        <p:nvCxnSpPr>
+          <p:cNvPr id="76" name="Gerade Verbindung 75"/>
+          <p:cNvCxnSpPr/>
+          <p:nvPr/>
+        </p:nvCxnSpPr>
+        <p:spPr>
+          <a:xfrm flipH="1">
+            <a:off x="3127626" y="1518496"/>
+            <a:ext cx="576065" cy="0"/>
+          </a:xfrm>
+          <a:prstGeom prst="line">
+            <a:avLst/>
+          </a:prstGeom>
+          <a:ln w="19050">
+            <a:solidFill>
+              <a:schemeClr val="tx1"/>
+            </a:solidFill>
+          </a:ln>
+        </p:spPr>
+        <p:style>
+          <a:lnRef idx="1">
+            <a:schemeClr val="accent1"/>
+          </a:lnRef>
+          <a:fillRef idx="0">
+            <a:schemeClr val="accent1"/>
+          </a:fillRef>
+          <a:effectRef idx="0">
+            <a:schemeClr val="accent1"/>
+          </a:effectRef>
+          <a:fontRef idx="minor">
+            <a:schemeClr val="tx1"/>
+          </a:fontRef>
+        </p:style>
+      </p:cxnSp>
+      <p:cxnSp>
+        <p:nvCxnSpPr>
+          <p:cNvPr id="85" name="Gerade Verbindung 84"/>
+          <p:cNvCxnSpPr/>
+          <p:nvPr/>
+        </p:nvCxnSpPr>
+        <p:spPr>
+          <a:xfrm flipH="1">
+            <a:off x="1877763" y="1510068"/>
+            <a:ext cx="443" cy="381939"/>
+          </a:xfrm>
+          <a:prstGeom prst="line">
+            <a:avLst/>
+          </a:prstGeom>
+          <a:ln w="19050">
+            <a:solidFill>
+              <a:schemeClr val="tx1"/>
+            </a:solidFill>
+            <a:headEnd type="none" w="med" len="med"/>
+            <a:tailEnd type="none" w="med" len="med"/>
+          </a:ln>
+        </p:spPr>
+        <p:style>
+          <a:lnRef idx="1">
+            <a:schemeClr val="accent1"/>
+          </a:lnRef>
+          <a:fillRef idx="0">
+            <a:schemeClr val="accent1"/>
+          </a:fillRef>
+          <a:effectRef idx="0">
+            <a:schemeClr val="accent1"/>
+          </a:effectRef>
+          <a:fontRef idx="minor">
+            <a:schemeClr val="tx1"/>
+          </a:fontRef>
+        </p:style>
+      </p:cxnSp>
+      <p:cxnSp>
+        <p:nvCxnSpPr>
+          <p:cNvPr id="86" name="Gerade Verbindung 85"/>
+          <p:cNvCxnSpPr/>
+          <p:nvPr/>
+        </p:nvCxnSpPr>
+        <p:spPr>
+          <a:xfrm>
+            <a:off x="1670610" y="1886964"/>
+            <a:ext cx="432048" cy="0"/>
+          </a:xfrm>
+          <a:prstGeom prst="line">
+            <a:avLst/>
+          </a:prstGeom>
+          <a:ln w="19050">
+            <a:solidFill>
+              <a:schemeClr val="tx1"/>
+            </a:solidFill>
+          </a:ln>
+        </p:spPr>
+        <p:style>
+          <a:lnRef idx="1">
+            <a:schemeClr val="accent1"/>
+          </a:lnRef>
+          <a:fillRef idx="0">
+            <a:schemeClr val="accent1"/>
+          </a:fillRef>
+          <a:effectRef idx="0">
+            <a:schemeClr val="accent1"/>
+          </a:effectRef>
+          <a:fontRef idx="minor">
+            <a:schemeClr val="tx1"/>
+          </a:fontRef>
+        </p:style>
+      </p:cxnSp>
+      <p:cxnSp>
+        <p:nvCxnSpPr>
+          <p:cNvPr id="87" name="Gerade Verbindung 86"/>
+          <p:cNvCxnSpPr/>
+          <p:nvPr/>
+        </p:nvCxnSpPr>
+        <p:spPr>
+          <a:xfrm flipH="1">
+            <a:off x="1742618" y="1958972"/>
+            <a:ext cx="288032" cy="0"/>
+          </a:xfrm>
+          <a:prstGeom prst="line">
+            <a:avLst/>
+          </a:prstGeom>
+          <a:ln w="19050">
+            <a:solidFill>
+              <a:schemeClr val="tx1"/>
+            </a:solidFill>
+          </a:ln>
+        </p:spPr>
+        <p:style>
+          <a:lnRef idx="1">
+            <a:schemeClr val="accent1"/>
+          </a:lnRef>
+          <a:fillRef idx="0">
+            <a:schemeClr val="accent1"/>
+          </a:fillRef>
+          <a:effectRef idx="0">
+            <a:schemeClr val="accent1"/>
+          </a:effectRef>
+          <a:fontRef idx="minor">
+            <a:schemeClr val="tx1"/>
+          </a:fontRef>
+        </p:style>
+      </p:cxnSp>
+      <p:cxnSp>
+        <p:nvCxnSpPr>
+          <p:cNvPr id="88" name="Gerade Verbindung 87"/>
+          <p:cNvCxnSpPr/>
+          <p:nvPr/>
+        </p:nvCxnSpPr>
+        <p:spPr>
+          <a:xfrm flipH="1">
+            <a:off x="1814626" y="2030980"/>
+            <a:ext cx="144016" cy="0"/>
+          </a:xfrm>
+          <a:prstGeom prst="line">
+            <a:avLst/>
+          </a:prstGeom>
+          <a:ln w="19050">
+            <a:solidFill>
+              <a:schemeClr val="tx1"/>
+            </a:solidFill>
+          </a:ln>
+        </p:spPr>
+        <p:style>
+          <a:lnRef idx="1">
+            <a:schemeClr val="accent1"/>
+          </a:lnRef>
+          <a:fillRef idx="0">
+            <a:schemeClr val="accent1"/>
+          </a:fillRef>
+          <a:effectRef idx="0">
+            <a:schemeClr val="accent1"/>
+          </a:effectRef>
+          <a:fontRef idx="minor">
+            <a:schemeClr val="tx1"/>
+          </a:fontRef>
+        </p:style>
+      </p:cxnSp>
+      <p:sp>
+        <p:nvSpPr>
+          <p:cNvPr id="59" name="Textfeld 58"/>
           <p:cNvSpPr txBox="1"/>
           <p:nvPr/>
         </p:nvSpPr>
         <p:spPr>
           <a:xfrm>
-            <a:off x="1835696" y="1988840"/>
-            <a:ext cx="312906" cy="369332"/>
+            <a:off x="1619672" y="980728"/>
+            <a:ext cx="504056" cy="338554"/>
           </a:xfrm>
           <a:prstGeom prst="rect">
             <a:avLst/>
@@ -4245,6 +5061,287 @@
           <a:noFill/>
         </p:spPr>
         <p:txBody>
+          <a:bodyPr wrap="square" rtlCol="0">
+            <a:spAutoFit/>
+          </a:bodyPr>
+          <a:lstStyle/>
+          <a:p>
+            <a:r>
+              <a:rPr lang="de-DE" sz="1600" dirty="0" smtClean="0">
+                <a:latin typeface="Arial" pitchFamily="34" charset="0"/>
+                <a:cs typeface="Arial" pitchFamily="34" charset="0"/>
+              </a:rPr>
+              <a:t>a)</a:t>
+            </a:r>
+            <a:endParaRPr lang="de-DE" sz="1600" dirty="0">
+              <a:latin typeface="Arial" pitchFamily="34" charset="0"/>
+              <a:cs typeface="Arial" pitchFamily="34" charset="0"/>
+            </a:endParaRPr>
+          </a:p>
+        </p:txBody>
+      </p:sp>
+      <p:sp>
+        <p:nvSpPr>
+          <p:cNvPr id="60" name="Textfeld 59"/>
+          <p:cNvSpPr txBox="1"/>
+          <p:nvPr/>
+        </p:nvSpPr>
+        <p:spPr>
+          <a:xfrm>
+            <a:off x="1619672" y="2204864"/>
+            <a:ext cx="504056" cy="338554"/>
+          </a:xfrm>
+          <a:prstGeom prst="rect">
+            <a:avLst/>
+          </a:prstGeom>
+          <a:noFill/>
+        </p:spPr>
+        <p:txBody>
+          <a:bodyPr wrap="square" rtlCol="0">
+            <a:spAutoFit/>
+          </a:bodyPr>
+          <a:lstStyle/>
+          <a:p>
+            <a:r>
+              <a:rPr lang="de-DE" sz="1600" dirty="0" smtClean="0">
+                <a:latin typeface="Arial" pitchFamily="34" charset="0"/>
+                <a:cs typeface="Arial" pitchFamily="34" charset="0"/>
+              </a:rPr>
+              <a:t>b</a:t>
+            </a:r>
+            <a:r>
+              <a:rPr lang="de-DE" sz="1600" dirty="0" smtClean="0">
+                <a:latin typeface="Arial" pitchFamily="34" charset="0"/>
+                <a:cs typeface="Arial" pitchFamily="34" charset="0"/>
+              </a:rPr>
+              <a:t>)</a:t>
+            </a:r>
+            <a:endParaRPr lang="de-DE" sz="1600" dirty="0">
+              <a:latin typeface="Arial" pitchFamily="34" charset="0"/>
+              <a:cs typeface="Arial" pitchFamily="34" charset="0"/>
+            </a:endParaRPr>
+          </a:p>
+        </p:txBody>
+      </p:sp>
+      <p:grpSp>
+        <p:nvGrpSpPr>
+          <p:cNvPr id="78" name="Gruppieren 77"/>
+          <p:cNvGrpSpPr/>
+          <p:nvPr/>
+        </p:nvGrpSpPr>
+        <p:grpSpPr>
+          <a:xfrm>
+            <a:off x="2262754" y="2708920"/>
+            <a:ext cx="509046" cy="216024"/>
+            <a:chOff x="2406770" y="3212976"/>
+            <a:chExt cx="725070" cy="216024"/>
+          </a:xfrm>
+        </p:grpSpPr>
+        <p:sp>
+          <p:nvSpPr>
+            <p:cNvPr id="77" name="Rechteck 76"/>
+            <p:cNvSpPr/>
+            <p:nvPr/>
+          </p:nvSpPr>
+          <p:spPr>
+            <a:xfrm>
+              <a:off x="2411760" y="3212976"/>
+              <a:ext cx="720080" cy="216024"/>
+            </a:xfrm>
+            <a:prstGeom prst="rect">
+              <a:avLst/>
+            </a:prstGeom>
+            <a:solidFill>
+              <a:schemeClr val="bg1"/>
+            </a:solidFill>
+            <a:ln>
+              <a:noFill/>
+            </a:ln>
+          </p:spPr>
+          <p:style>
+            <a:lnRef idx="2">
+              <a:schemeClr val="accent1">
+                <a:shade val="50000"/>
+              </a:schemeClr>
+            </a:lnRef>
+            <a:fillRef idx="1">
+              <a:schemeClr val="accent1"/>
+            </a:fillRef>
+            <a:effectRef idx="0">
+              <a:schemeClr val="accent1"/>
+            </a:effectRef>
+            <a:fontRef idx="minor">
+              <a:schemeClr val="lt1"/>
+            </a:fontRef>
+          </p:style>
+          <p:txBody>
+            <a:bodyPr rtlCol="0" anchor="ctr"/>
+            <a:lstStyle/>
+            <a:p>
+              <a:pPr algn="ctr"/>
+              <a:endParaRPr lang="de-DE"/>
+            </a:p>
+          </p:txBody>
+        </p:sp>
+        <p:sp>
+          <p:nvSpPr>
+            <p:cNvPr id="62" name="Freihandform 61"/>
+            <p:cNvSpPr/>
+            <p:nvPr/>
+          </p:nvSpPr>
+          <p:spPr>
+            <a:xfrm>
+              <a:off x="2406770" y="3234906"/>
+              <a:ext cx="707366" cy="155275"/>
+            </a:xfrm>
+            <a:custGeom>
+              <a:avLst/>
+              <a:gdLst>
+                <a:gd name="connsiteX0" fmla="*/ 0 w 707366"/>
+                <a:gd name="connsiteY0" fmla="*/ 86264 h 155275"/>
+                <a:gd name="connsiteX1" fmla="*/ 69011 w 707366"/>
+                <a:gd name="connsiteY1" fmla="*/ 0 h 155275"/>
+                <a:gd name="connsiteX2" fmla="*/ 155275 w 707366"/>
+                <a:gd name="connsiteY2" fmla="*/ 155275 h 155275"/>
+                <a:gd name="connsiteX3" fmla="*/ 241539 w 707366"/>
+                <a:gd name="connsiteY3" fmla="*/ 8626 h 155275"/>
+                <a:gd name="connsiteX4" fmla="*/ 319177 w 707366"/>
+                <a:gd name="connsiteY4" fmla="*/ 155275 h 155275"/>
+                <a:gd name="connsiteX5" fmla="*/ 405441 w 707366"/>
+                <a:gd name="connsiteY5" fmla="*/ 8626 h 155275"/>
+                <a:gd name="connsiteX6" fmla="*/ 474453 w 707366"/>
+                <a:gd name="connsiteY6" fmla="*/ 155275 h 155275"/>
+                <a:gd name="connsiteX7" fmla="*/ 569343 w 707366"/>
+                <a:gd name="connsiteY7" fmla="*/ 8626 h 155275"/>
+                <a:gd name="connsiteX8" fmla="*/ 638355 w 707366"/>
+                <a:gd name="connsiteY8" fmla="*/ 155275 h 155275"/>
+                <a:gd name="connsiteX9" fmla="*/ 698739 w 707366"/>
+                <a:gd name="connsiteY9" fmla="*/ 60385 h 155275"/>
+                <a:gd name="connsiteX10" fmla="*/ 707366 w 707366"/>
+                <a:gd name="connsiteY10" fmla="*/ 60385 h 155275"/>
+              </a:gdLst>
+              <a:ahLst/>
+              <a:cxnLst>
+                <a:cxn ang="0">
+                  <a:pos x="connsiteX0" y="connsiteY0"/>
+                </a:cxn>
+                <a:cxn ang="0">
+                  <a:pos x="connsiteX1" y="connsiteY1"/>
+                </a:cxn>
+                <a:cxn ang="0">
+                  <a:pos x="connsiteX2" y="connsiteY2"/>
+                </a:cxn>
+                <a:cxn ang="0">
+                  <a:pos x="connsiteX3" y="connsiteY3"/>
+                </a:cxn>
+                <a:cxn ang="0">
+                  <a:pos x="connsiteX4" y="connsiteY4"/>
+                </a:cxn>
+                <a:cxn ang="0">
+                  <a:pos x="connsiteX5" y="connsiteY5"/>
+                </a:cxn>
+                <a:cxn ang="0">
+                  <a:pos x="connsiteX6" y="connsiteY6"/>
+                </a:cxn>
+                <a:cxn ang="0">
+                  <a:pos x="connsiteX7" y="connsiteY7"/>
+                </a:cxn>
+                <a:cxn ang="0">
+                  <a:pos x="connsiteX8" y="connsiteY8"/>
+                </a:cxn>
+                <a:cxn ang="0">
+                  <a:pos x="connsiteX9" y="connsiteY9"/>
+                </a:cxn>
+                <a:cxn ang="0">
+                  <a:pos x="connsiteX10" y="connsiteY10"/>
+                </a:cxn>
+              </a:cxnLst>
+              <a:rect l="l" t="t" r="r" b="b"/>
+              <a:pathLst>
+                <a:path w="707366" h="155275">
+                  <a:moveTo>
+                    <a:pt x="0" y="86264"/>
+                  </a:moveTo>
+                  <a:lnTo>
+                    <a:pt x="69011" y="0"/>
+                  </a:lnTo>
+                  <a:lnTo>
+                    <a:pt x="155275" y="155275"/>
+                  </a:lnTo>
+                  <a:lnTo>
+                    <a:pt x="241539" y="8626"/>
+                  </a:lnTo>
+                  <a:lnTo>
+                    <a:pt x="319177" y="155275"/>
+                  </a:lnTo>
+                  <a:lnTo>
+                    <a:pt x="405441" y="8626"/>
+                  </a:lnTo>
+                  <a:lnTo>
+                    <a:pt x="474453" y="155275"/>
+                  </a:lnTo>
+                  <a:lnTo>
+                    <a:pt x="569343" y="8626"/>
+                  </a:lnTo>
+                  <a:lnTo>
+                    <a:pt x="638355" y="155275"/>
+                  </a:lnTo>
+                  <a:lnTo>
+                    <a:pt x="698739" y="60385"/>
+                  </a:lnTo>
+                  <a:lnTo>
+                    <a:pt x="707366" y="60385"/>
+                  </a:lnTo>
+                </a:path>
+              </a:pathLst>
+            </a:custGeom>
+            <a:ln w="28575">
+              <a:solidFill>
+                <a:schemeClr val="tx1"/>
+              </a:solidFill>
+            </a:ln>
+          </p:spPr>
+          <p:style>
+            <a:lnRef idx="1">
+              <a:schemeClr val="accent1"/>
+            </a:lnRef>
+            <a:fillRef idx="0">
+              <a:schemeClr val="accent1"/>
+            </a:fillRef>
+            <a:effectRef idx="0">
+              <a:schemeClr val="accent1"/>
+            </a:effectRef>
+            <a:fontRef idx="minor">
+              <a:schemeClr val="tx1"/>
+            </a:fontRef>
+          </p:style>
+          <p:txBody>
+            <a:bodyPr rtlCol="0" anchor="ctr"/>
+            <a:lstStyle/>
+            <a:p>
+              <a:pPr algn="ctr"/>
+              <a:endParaRPr lang="de-DE"/>
+            </a:p>
+          </p:txBody>
+        </p:sp>
+      </p:grpSp>
+      <p:sp>
+        <p:nvSpPr>
+          <p:cNvPr id="79" name="Textfeld 78"/>
+          <p:cNvSpPr txBox="1"/>
+          <p:nvPr/>
+        </p:nvSpPr>
+        <p:spPr>
+          <a:xfrm>
+            <a:off x="2411760" y="2204864"/>
+            <a:ext cx="394660" cy="369332"/>
+          </a:xfrm>
+          <a:prstGeom prst="rect">
+            <a:avLst/>
+          </a:prstGeom>
+          <a:noFill/>
+        </p:spPr>
+        <p:txBody>
           <a:bodyPr wrap="none" rtlCol="0">
             <a:spAutoFit/>
           </a:bodyPr>
@@ -4255,7 +5352,14 @@
                 <a:latin typeface="Times New Roman" pitchFamily="18" charset="0"/>
                 <a:cs typeface="Times New Roman" pitchFamily="18" charset="0"/>
               </a:rPr>
-              <a:t>L</a:t>
+              <a:t>R</a:t>
+            </a:r>
+            <a:r>
+              <a:rPr lang="de-DE" i="1" baseline="-25000" dirty="0" smtClean="0">
+                <a:latin typeface="Times New Roman" pitchFamily="18" charset="0"/>
+                <a:cs typeface="Times New Roman" pitchFamily="18" charset="0"/>
+              </a:rPr>
+              <a:t>e</a:t>
             </a:r>
             <a:endParaRPr lang="de-DE" i="1" baseline="-25000" dirty="0">
               <a:latin typeface="Times New Roman" pitchFamily="18" charset="0"/>

--- a/material/figures/introduction/nonlinear resonator.pptx
+++ b/material/figures/introduction/nonlinear resonator.pptx
@@ -289,7 +289,7 @@
             <a:fld id="{501078D7-A3FC-43B8-AA97-A4C6095A8325}" type="datetimeFigureOut">
               <a:rPr lang="de-DE" smtClean="0"/>
               <a:pPr/>
-              <a:t>12.07.2012</a:t>
+              <a:t>23.07.2012</a:t>
             </a:fld>
             <a:endParaRPr lang="de-DE"/>
           </a:p>
@@ -456,7 +456,7 @@
             <a:fld id="{501078D7-A3FC-43B8-AA97-A4C6095A8325}" type="datetimeFigureOut">
               <a:rPr lang="de-DE" smtClean="0"/>
               <a:pPr/>
-              <a:t>12.07.2012</a:t>
+              <a:t>23.07.2012</a:t>
             </a:fld>
             <a:endParaRPr lang="de-DE"/>
           </a:p>
@@ -633,7 +633,7 @@
             <a:fld id="{501078D7-A3FC-43B8-AA97-A4C6095A8325}" type="datetimeFigureOut">
               <a:rPr lang="de-DE" smtClean="0"/>
               <a:pPr/>
-              <a:t>12.07.2012</a:t>
+              <a:t>23.07.2012</a:t>
             </a:fld>
             <a:endParaRPr lang="de-DE"/>
           </a:p>
@@ -800,7 +800,7 @@
             <a:fld id="{501078D7-A3FC-43B8-AA97-A4C6095A8325}" type="datetimeFigureOut">
               <a:rPr lang="de-DE" smtClean="0"/>
               <a:pPr/>
-              <a:t>12.07.2012</a:t>
+              <a:t>23.07.2012</a:t>
             </a:fld>
             <a:endParaRPr lang="de-DE"/>
           </a:p>
@@ -1043,7 +1043,7 @@
             <a:fld id="{501078D7-A3FC-43B8-AA97-A4C6095A8325}" type="datetimeFigureOut">
               <a:rPr lang="de-DE" smtClean="0"/>
               <a:pPr/>
-              <a:t>12.07.2012</a:t>
+              <a:t>23.07.2012</a:t>
             </a:fld>
             <a:endParaRPr lang="de-DE"/>
           </a:p>
@@ -1328,7 +1328,7 @@
             <a:fld id="{501078D7-A3FC-43B8-AA97-A4C6095A8325}" type="datetimeFigureOut">
               <a:rPr lang="de-DE" smtClean="0"/>
               <a:pPr/>
-              <a:t>12.07.2012</a:t>
+              <a:t>23.07.2012</a:t>
             </a:fld>
             <a:endParaRPr lang="de-DE"/>
           </a:p>
@@ -1747,7 +1747,7 @@
             <a:fld id="{501078D7-A3FC-43B8-AA97-A4C6095A8325}" type="datetimeFigureOut">
               <a:rPr lang="de-DE" smtClean="0"/>
               <a:pPr/>
-              <a:t>12.07.2012</a:t>
+              <a:t>23.07.2012</a:t>
             </a:fld>
             <a:endParaRPr lang="de-DE"/>
           </a:p>
@@ -1862,7 +1862,7 @@
             <a:fld id="{501078D7-A3FC-43B8-AA97-A4C6095A8325}" type="datetimeFigureOut">
               <a:rPr lang="de-DE" smtClean="0"/>
               <a:pPr/>
-              <a:t>12.07.2012</a:t>
+              <a:t>23.07.2012</a:t>
             </a:fld>
             <a:endParaRPr lang="de-DE"/>
           </a:p>
@@ -1954,7 +1954,7 @@
             <a:fld id="{501078D7-A3FC-43B8-AA97-A4C6095A8325}" type="datetimeFigureOut">
               <a:rPr lang="de-DE" smtClean="0"/>
               <a:pPr/>
-              <a:t>12.07.2012</a:t>
+              <a:t>23.07.2012</a:t>
             </a:fld>
             <a:endParaRPr lang="de-DE"/>
           </a:p>
@@ -2228,7 +2228,7 @@
             <a:fld id="{501078D7-A3FC-43B8-AA97-A4C6095A8325}" type="datetimeFigureOut">
               <a:rPr lang="de-DE" smtClean="0"/>
               <a:pPr/>
-              <a:t>12.07.2012</a:t>
+              <a:t>23.07.2012</a:t>
             </a:fld>
             <a:endParaRPr lang="de-DE"/>
           </a:p>
@@ -2478,7 +2478,7 @@
             <a:fld id="{501078D7-A3FC-43B8-AA97-A4C6095A8325}" type="datetimeFigureOut">
               <a:rPr lang="de-DE" smtClean="0"/>
               <a:pPr/>
-              <a:t>12.07.2012</a:t>
+              <a:t>23.07.2012</a:t>
             </a:fld>
             <a:endParaRPr lang="de-DE"/>
           </a:p>
@@ -2688,7 +2688,7 @@
             <a:fld id="{501078D7-A3FC-43B8-AA97-A4C6095A8325}" type="datetimeFigureOut">
               <a:rPr lang="de-DE" smtClean="0"/>
               <a:pPr/>
-              <a:t>12.07.2012</a:t>
+              <a:t>23.07.2012</a:t>
             </a:fld>
             <a:endParaRPr lang="de-DE"/>
           </a:p>
@@ -3183,7 +3183,7 @@
         </p:nvSpPr>
         <p:spPr>
           <a:xfrm>
-            <a:off x="3562752" y="2713134"/>
+            <a:off x="4195844" y="2713134"/>
             <a:ext cx="418812" cy="144016"/>
           </a:xfrm>
           <a:prstGeom prst="rect">
@@ -3221,91 +3221,6 @@
           </a:p>
         </p:txBody>
       </p:sp>
-      <p:grpSp>
-        <p:nvGrpSpPr>
-          <p:cNvPr id="7" name="Gruppieren 6"/>
-          <p:cNvGrpSpPr/>
-          <p:nvPr/>
-        </p:nvGrpSpPr>
-        <p:grpSpPr>
-          <a:xfrm>
-            <a:off x="4283968" y="2694666"/>
-            <a:ext cx="216024" cy="216024"/>
-            <a:chOff x="2771800" y="2348880"/>
-            <a:chExt cx="288032" cy="288032"/>
-          </a:xfrm>
-        </p:grpSpPr>
-        <p:cxnSp>
-          <p:nvCxnSpPr>
-            <p:cNvPr id="8" name="Gerade Verbindung 7"/>
-            <p:cNvCxnSpPr/>
-            <p:nvPr/>
-          </p:nvCxnSpPr>
-          <p:spPr>
-            <a:xfrm>
-              <a:off x="2771800" y="2348880"/>
-              <a:ext cx="288032" cy="288032"/>
-            </a:xfrm>
-            <a:prstGeom prst="line">
-              <a:avLst/>
-            </a:prstGeom>
-            <a:ln w="19050">
-              <a:solidFill>
-                <a:schemeClr val="tx1"/>
-              </a:solidFill>
-            </a:ln>
-          </p:spPr>
-          <p:style>
-            <a:lnRef idx="1">
-              <a:schemeClr val="accent1"/>
-            </a:lnRef>
-            <a:fillRef idx="0">
-              <a:schemeClr val="accent1"/>
-            </a:fillRef>
-            <a:effectRef idx="0">
-              <a:schemeClr val="accent1"/>
-            </a:effectRef>
-            <a:fontRef idx="minor">
-              <a:schemeClr val="tx1"/>
-            </a:fontRef>
-          </p:style>
-        </p:cxnSp>
-        <p:cxnSp>
-          <p:nvCxnSpPr>
-            <p:cNvPr id="9" name="Gerade Verbindung 8"/>
-            <p:cNvCxnSpPr/>
-            <p:nvPr/>
-          </p:nvCxnSpPr>
-          <p:spPr>
-            <a:xfrm flipV="1">
-              <a:off x="2771800" y="2348880"/>
-              <a:ext cx="288032" cy="288032"/>
-            </a:xfrm>
-            <a:prstGeom prst="line">
-              <a:avLst/>
-            </a:prstGeom>
-            <a:ln w="19050">
-              <a:solidFill>
-                <a:schemeClr val="tx1"/>
-              </a:solidFill>
-            </a:ln>
-          </p:spPr>
-          <p:style>
-            <a:lnRef idx="1">
-              <a:schemeClr val="accent1"/>
-            </a:lnRef>
-            <a:fillRef idx="0">
-              <a:schemeClr val="accent1"/>
-            </a:fillRef>
-            <a:effectRef idx="0">
-              <a:schemeClr val="accent1"/>
-            </a:effectRef>
-            <a:fontRef idx="minor">
-              <a:schemeClr val="tx1"/>
-            </a:fontRef>
-          </p:style>
-        </p:cxnSp>
-      </p:grpSp>
       <p:cxnSp>
         <p:nvCxnSpPr>
           <p:cNvPr id="15" name="Gerade Verbindung 14"/>
@@ -3746,7 +3661,7 @@
                 <a:latin typeface="Times New Roman" pitchFamily="18" charset="0"/>
                 <a:cs typeface="Times New Roman" pitchFamily="18" charset="0"/>
               </a:rPr>
-              <a:t>J</a:t>
+              <a:t>e</a:t>
             </a:r>
             <a:endParaRPr lang="de-DE" i="1" baseline="-25000" dirty="0">
               <a:latin typeface="Times New Roman" pitchFamily="18" charset="0"/>
@@ -3763,7 +3678,7 @@
         </p:nvGrpSpPr>
         <p:grpSpPr>
           <a:xfrm rot="5556335" flipH="1" flipV="1">
-            <a:off x="3692381" y="2600361"/>
+            <a:off x="4332963" y="2600361"/>
             <a:ext cx="156407" cy="407237"/>
             <a:chOff x="3263465" y="1394775"/>
             <a:chExt cx="384822" cy="1577366"/>
@@ -3967,7 +3882,7 @@
         <p:spPr>
           <a:xfrm>
             <a:off x="3614100" y="2204864"/>
-            <a:ext cx="381836" cy="369332"/>
+            <a:ext cx="394660" cy="369332"/>
           </a:xfrm>
           <a:prstGeom prst="rect">
             <a:avLst/>
@@ -3985,14 +3900,14 @@
                 <a:latin typeface="Times New Roman" pitchFamily="18" charset="0"/>
                 <a:cs typeface="Times New Roman" pitchFamily="18" charset="0"/>
               </a:rPr>
-              <a:t>L</a:t>
+              <a:t>E</a:t>
             </a:r>
             <a:r>
               <a:rPr lang="de-DE" i="1" baseline="-25000" dirty="0" smtClean="0">
                 <a:latin typeface="Times New Roman" pitchFamily="18" charset="0"/>
                 <a:cs typeface="Times New Roman" pitchFamily="18" charset="0"/>
               </a:rPr>
-              <a:t>e</a:t>
+              <a:t>J</a:t>
             </a:r>
             <a:endParaRPr lang="de-DE" i="1" baseline="-25000" dirty="0">
               <a:latin typeface="Times New Roman" pitchFamily="18" charset="0"/>
@@ -5107,14 +5022,7 @@
                 <a:latin typeface="Arial" pitchFamily="34" charset="0"/>
                 <a:cs typeface="Arial" pitchFamily="34" charset="0"/>
               </a:rPr>
-              <a:t>b</a:t>
-            </a:r>
-            <a:r>
-              <a:rPr lang="de-DE" sz="1600" dirty="0" smtClean="0">
-                <a:latin typeface="Arial" pitchFamily="34" charset="0"/>
-                <a:cs typeface="Arial" pitchFamily="34" charset="0"/>
-              </a:rPr>
-              <a:t>)</a:t>
+              <a:t>b)</a:t>
             </a:r>
             <a:endParaRPr lang="de-DE" sz="1600" dirty="0">
               <a:latin typeface="Arial" pitchFamily="34" charset="0"/>
@@ -5368,6 +5276,337 @@
           </a:p>
         </p:txBody>
       </p:sp>
+      <p:sp>
+        <p:nvSpPr>
+          <p:cNvPr id="61" name="Ellipse 60"/>
+          <p:cNvSpPr/>
+          <p:nvPr/>
+        </p:nvSpPr>
+        <p:spPr>
+          <a:xfrm>
+            <a:off x="4738894" y="2760676"/>
+            <a:ext cx="72008" cy="72008"/>
+          </a:xfrm>
+          <a:prstGeom prst="ellipse">
+            <a:avLst/>
+          </a:prstGeom>
+          <a:solidFill>
+            <a:schemeClr val="tx1"/>
+          </a:solidFill>
+          <a:ln>
+            <a:noFill/>
+          </a:ln>
+        </p:spPr>
+        <p:style>
+          <a:lnRef idx="2">
+            <a:schemeClr val="accent1">
+              <a:shade val="50000"/>
+            </a:schemeClr>
+          </a:lnRef>
+          <a:fillRef idx="1">
+            <a:schemeClr val="accent1"/>
+          </a:fillRef>
+          <a:effectRef idx="0">
+            <a:schemeClr val="accent1"/>
+          </a:effectRef>
+          <a:fontRef idx="minor">
+            <a:schemeClr val="lt1"/>
+          </a:fontRef>
+        </p:style>
+        <p:txBody>
+          <a:bodyPr rtlCol="0" anchor="ctr"/>
+          <a:lstStyle/>
+          <a:p>
+            <a:pPr algn="ctr"/>
+            <a:endParaRPr lang="de-DE"/>
+          </a:p>
+        </p:txBody>
+      </p:sp>
+      <p:sp>
+        <p:nvSpPr>
+          <p:cNvPr id="80" name="Ellipse 79"/>
+          <p:cNvSpPr/>
+          <p:nvPr/>
+        </p:nvSpPr>
+        <p:spPr>
+          <a:xfrm>
+            <a:off x="4024814" y="2763676"/>
+            <a:ext cx="72008" cy="72008"/>
+          </a:xfrm>
+          <a:prstGeom prst="ellipse">
+            <a:avLst/>
+          </a:prstGeom>
+          <a:solidFill>
+            <a:schemeClr val="tx1"/>
+          </a:solidFill>
+          <a:ln>
+            <a:noFill/>
+          </a:ln>
+        </p:spPr>
+        <p:style>
+          <a:lnRef idx="2">
+            <a:schemeClr val="accent1">
+              <a:shade val="50000"/>
+            </a:schemeClr>
+          </a:lnRef>
+          <a:fillRef idx="1">
+            <a:schemeClr val="accent1"/>
+          </a:fillRef>
+          <a:effectRef idx="0">
+            <a:schemeClr val="accent1"/>
+          </a:effectRef>
+          <a:fontRef idx="minor">
+            <a:schemeClr val="lt1"/>
+          </a:fontRef>
+        </p:style>
+        <p:txBody>
+          <a:bodyPr rtlCol="0" anchor="ctr"/>
+          <a:lstStyle/>
+          <a:p>
+            <a:pPr algn="ctr"/>
+            <a:endParaRPr lang="de-DE"/>
+          </a:p>
+        </p:txBody>
+      </p:sp>
+      <p:sp>
+        <p:nvSpPr>
+          <p:cNvPr id="81" name="Ellipse 80"/>
+          <p:cNvSpPr/>
+          <p:nvPr/>
+        </p:nvSpPr>
+        <p:spPr>
+          <a:xfrm>
+            <a:off x="3368116" y="2755050"/>
+            <a:ext cx="72008" cy="72008"/>
+          </a:xfrm>
+          <a:prstGeom prst="ellipse">
+            <a:avLst/>
+          </a:prstGeom>
+          <a:solidFill>
+            <a:schemeClr val="tx1"/>
+          </a:solidFill>
+          <a:ln>
+            <a:noFill/>
+          </a:ln>
+        </p:spPr>
+        <p:style>
+          <a:lnRef idx="2">
+            <a:schemeClr val="accent1">
+              <a:shade val="50000"/>
+            </a:schemeClr>
+          </a:lnRef>
+          <a:fillRef idx="1">
+            <a:schemeClr val="accent1"/>
+          </a:fillRef>
+          <a:effectRef idx="0">
+            <a:schemeClr val="accent1"/>
+          </a:effectRef>
+          <a:fontRef idx="minor">
+            <a:schemeClr val="lt1"/>
+          </a:fontRef>
+        </p:style>
+        <p:txBody>
+          <a:bodyPr rtlCol="0" anchor="ctr"/>
+          <a:lstStyle/>
+          <a:p>
+            <a:pPr algn="ctr"/>
+            <a:endParaRPr lang="de-DE"/>
+          </a:p>
+        </p:txBody>
+      </p:sp>
+      <p:sp>
+        <p:nvSpPr>
+          <p:cNvPr id="82" name="Textfeld 81"/>
+          <p:cNvSpPr txBox="1"/>
+          <p:nvPr/>
+        </p:nvSpPr>
+        <p:spPr>
+          <a:xfrm>
+            <a:off x="3256782" y="2844310"/>
+            <a:ext cx="298480" cy="338554"/>
+          </a:xfrm>
+          <a:prstGeom prst="rect">
+            <a:avLst/>
+          </a:prstGeom>
+          <a:noFill/>
+        </p:spPr>
+        <p:txBody>
+          <a:bodyPr wrap="none" rtlCol="0">
+            <a:spAutoFit/>
+          </a:bodyPr>
+          <a:lstStyle/>
+          <a:p>
+            <a:r>
+              <a:rPr lang="de-DE" sz="1600" dirty="0" smtClean="0">
+                <a:latin typeface="Arial" pitchFamily="34" charset="0"/>
+                <a:cs typeface="Arial" pitchFamily="34" charset="0"/>
+              </a:rPr>
+              <a:t>2</a:t>
+            </a:r>
+            <a:endParaRPr lang="de-DE" sz="1600" dirty="0">
+              <a:latin typeface="Arial" pitchFamily="34" charset="0"/>
+              <a:cs typeface="Arial" pitchFamily="34" charset="0"/>
+            </a:endParaRPr>
+          </a:p>
+        </p:txBody>
+      </p:sp>
+      <p:sp>
+        <p:nvSpPr>
+          <p:cNvPr id="83" name="Textfeld 82"/>
+          <p:cNvSpPr txBox="1"/>
+          <p:nvPr/>
+        </p:nvSpPr>
+        <p:spPr>
+          <a:xfrm>
+            <a:off x="3907854" y="2844310"/>
+            <a:ext cx="298480" cy="338554"/>
+          </a:xfrm>
+          <a:prstGeom prst="rect">
+            <a:avLst/>
+          </a:prstGeom>
+          <a:noFill/>
+        </p:spPr>
+        <p:txBody>
+          <a:bodyPr wrap="none" rtlCol="0">
+            <a:spAutoFit/>
+          </a:bodyPr>
+          <a:lstStyle/>
+          <a:p>
+            <a:r>
+              <a:rPr lang="de-DE" sz="1600" dirty="0" smtClean="0">
+                <a:latin typeface="Arial" pitchFamily="34" charset="0"/>
+                <a:cs typeface="Arial" pitchFamily="34" charset="0"/>
+              </a:rPr>
+              <a:t>1</a:t>
+            </a:r>
+            <a:endParaRPr lang="de-DE" sz="1600" dirty="0">
+              <a:latin typeface="Arial" pitchFamily="34" charset="0"/>
+              <a:cs typeface="Arial" pitchFamily="34" charset="0"/>
+            </a:endParaRPr>
+          </a:p>
+        </p:txBody>
+      </p:sp>
+      <p:sp>
+        <p:nvSpPr>
+          <p:cNvPr id="84" name="Textfeld 83"/>
+          <p:cNvSpPr txBox="1"/>
+          <p:nvPr/>
+        </p:nvSpPr>
+        <p:spPr>
+          <a:xfrm>
+            <a:off x="4624934" y="2844310"/>
+            <a:ext cx="298480" cy="338554"/>
+          </a:xfrm>
+          <a:prstGeom prst="rect">
+            <a:avLst/>
+          </a:prstGeom>
+          <a:noFill/>
+        </p:spPr>
+        <p:txBody>
+          <a:bodyPr wrap="none" rtlCol="0">
+            <a:spAutoFit/>
+          </a:bodyPr>
+          <a:lstStyle/>
+          <a:p>
+            <a:r>
+              <a:rPr lang="de-DE" sz="1600" dirty="0" smtClean="0">
+                <a:latin typeface="Arial" pitchFamily="34" charset="0"/>
+                <a:cs typeface="Arial" pitchFamily="34" charset="0"/>
+              </a:rPr>
+              <a:t>0</a:t>
+            </a:r>
+            <a:endParaRPr lang="de-DE" sz="1600" dirty="0">
+              <a:latin typeface="Arial" pitchFamily="34" charset="0"/>
+              <a:cs typeface="Arial" pitchFamily="34" charset="0"/>
+            </a:endParaRPr>
+          </a:p>
+        </p:txBody>
+      </p:sp>
+      <p:grpSp>
+        <p:nvGrpSpPr>
+          <p:cNvPr id="89" name="Gruppieren 88"/>
+          <p:cNvGrpSpPr/>
+          <p:nvPr/>
+        </p:nvGrpSpPr>
+        <p:grpSpPr>
+          <a:xfrm>
+            <a:off x="3707904" y="2694666"/>
+            <a:ext cx="216024" cy="216024"/>
+            <a:chOff x="2771800" y="2348880"/>
+            <a:chExt cx="288032" cy="288032"/>
+          </a:xfrm>
+        </p:grpSpPr>
+        <p:cxnSp>
+          <p:nvCxnSpPr>
+            <p:cNvPr id="90" name="Gerade Verbindung 89"/>
+            <p:cNvCxnSpPr/>
+            <p:nvPr/>
+          </p:nvCxnSpPr>
+          <p:spPr>
+            <a:xfrm>
+              <a:off x="2771800" y="2348880"/>
+              <a:ext cx="288032" cy="288032"/>
+            </a:xfrm>
+            <a:prstGeom prst="line">
+              <a:avLst/>
+            </a:prstGeom>
+            <a:ln w="19050">
+              <a:solidFill>
+                <a:schemeClr val="tx1"/>
+              </a:solidFill>
+            </a:ln>
+          </p:spPr>
+          <p:style>
+            <a:lnRef idx="1">
+              <a:schemeClr val="accent1"/>
+            </a:lnRef>
+            <a:fillRef idx="0">
+              <a:schemeClr val="accent1"/>
+            </a:fillRef>
+            <a:effectRef idx="0">
+              <a:schemeClr val="accent1"/>
+            </a:effectRef>
+            <a:fontRef idx="minor">
+              <a:schemeClr val="tx1"/>
+            </a:fontRef>
+          </p:style>
+        </p:cxnSp>
+        <p:cxnSp>
+          <p:nvCxnSpPr>
+            <p:cNvPr id="91" name="Gerade Verbindung 90"/>
+            <p:cNvCxnSpPr/>
+            <p:nvPr/>
+          </p:nvCxnSpPr>
+          <p:spPr>
+            <a:xfrm flipV="1">
+              <a:off x="2771800" y="2348880"/>
+              <a:ext cx="288032" cy="288032"/>
+            </a:xfrm>
+            <a:prstGeom prst="line">
+              <a:avLst/>
+            </a:prstGeom>
+            <a:ln w="19050">
+              <a:solidFill>
+                <a:schemeClr val="tx1"/>
+              </a:solidFill>
+            </a:ln>
+          </p:spPr>
+          <p:style>
+            <a:lnRef idx="1">
+              <a:schemeClr val="accent1"/>
+            </a:lnRef>
+            <a:fillRef idx="0">
+              <a:schemeClr val="accent1"/>
+            </a:fillRef>
+            <a:effectRef idx="0">
+              <a:schemeClr val="accent1"/>
+            </a:effectRef>
+            <a:fontRef idx="minor">
+              <a:schemeClr val="tx1"/>
+            </a:fontRef>
+          </p:style>
+        </p:cxnSp>
+      </p:grpSp>
     </p:spTree>
   </p:cSld>
   <p:clrMapOvr>

--- a/material/figures/introduction/nonlinear resonator.pptx
+++ b/material/figures/introduction/nonlinear resonator.pptx
@@ -289,7 +289,7 @@
             <a:fld id="{501078D7-A3FC-43B8-AA97-A4C6095A8325}" type="datetimeFigureOut">
               <a:rPr lang="de-DE" smtClean="0"/>
               <a:pPr/>
-              <a:t>23.07.2012</a:t>
+              <a:t>20.08.2012</a:t>
             </a:fld>
             <a:endParaRPr lang="de-DE"/>
           </a:p>
@@ -456,7 +456,7 @@
             <a:fld id="{501078D7-A3FC-43B8-AA97-A4C6095A8325}" type="datetimeFigureOut">
               <a:rPr lang="de-DE" smtClean="0"/>
               <a:pPr/>
-              <a:t>23.07.2012</a:t>
+              <a:t>20.08.2012</a:t>
             </a:fld>
             <a:endParaRPr lang="de-DE"/>
           </a:p>
@@ -633,7 +633,7 @@
             <a:fld id="{501078D7-A3FC-43B8-AA97-A4C6095A8325}" type="datetimeFigureOut">
               <a:rPr lang="de-DE" smtClean="0"/>
               <a:pPr/>
-              <a:t>23.07.2012</a:t>
+              <a:t>20.08.2012</a:t>
             </a:fld>
             <a:endParaRPr lang="de-DE"/>
           </a:p>
@@ -800,7 +800,7 @@
             <a:fld id="{501078D7-A3FC-43B8-AA97-A4C6095A8325}" type="datetimeFigureOut">
               <a:rPr lang="de-DE" smtClean="0"/>
               <a:pPr/>
-              <a:t>23.07.2012</a:t>
+              <a:t>20.08.2012</a:t>
             </a:fld>
             <a:endParaRPr lang="de-DE"/>
           </a:p>
@@ -1043,7 +1043,7 @@
             <a:fld id="{501078D7-A3FC-43B8-AA97-A4C6095A8325}" type="datetimeFigureOut">
               <a:rPr lang="de-DE" smtClean="0"/>
               <a:pPr/>
-              <a:t>23.07.2012</a:t>
+              <a:t>20.08.2012</a:t>
             </a:fld>
             <a:endParaRPr lang="de-DE"/>
           </a:p>
@@ -1328,7 +1328,7 @@
             <a:fld id="{501078D7-A3FC-43B8-AA97-A4C6095A8325}" type="datetimeFigureOut">
               <a:rPr lang="de-DE" smtClean="0"/>
               <a:pPr/>
-              <a:t>23.07.2012</a:t>
+              <a:t>20.08.2012</a:t>
             </a:fld>
             <a:endParaRPr lang="de-DE"/>
           </a:p>
@@ -1747,7 +1747,7 @@
             <a:fld id="{501078D7-A3FC-43B8-AA97-A4C6095A8325}" type="datetimeFigureOut">
               <a:rPr lang="de-DE" smtClean="0"/>
               <a:pPr/>
-              <a:t>23.07.2012</a:t>
+              <a:t>20.08.2012</a:t>
             </a:fld>
             <a:endParaRPr lang="de-DE"/>
           </a:p>
@@ -1862,7 +1862,7 @@
             <a:fld id="{501078D7-A3FC-43B8-AA97-A4C6095A8325}" type="datetimeFigureOut">
               <a:rPr lang="de-DE" smtClean="0"/>
               <a:pPr/>
-              <a:t>23.07.2012</a:t>
+              <a:t>20.08.2012</a:t>
             </a:fld>
             <a:endParaRPr lang="de-DE"/>
           </a:p>
@@ -1954,7 +1954,7 @@
             <a:fld id="{501078D7-A3FC-43B8-AA97-A4C6095A8325}" type="datetimeFigureOut">
               <a:rPr lang="de-DE" smtClean="0"/>
               <a:pPr/>
-              <a:t>23.07.2012</a:t>
+              <a:t>20.08.2012</a:t>
             </a:fld>
             <a:endParaRPr lang="de-DE"/>
           </a:p>
@@ -2228,7 +2228,7 @@
             <a:fld id="{501078D7-A3FC-43B8-AA97-A4C6095A8325}" type="datetimeFigureOut">
               <a:rPr lang="de-DE" smtClean="0"/>
               <a:pPr/>
-              <a:t>23.07.2012</a:t>
+              <a:t>20.08.2012</a:t>
             </a:fld>
             <a:endParaRPr lang="de-DE"/>
           </a:p>
@@ -2478,7 +2478,7 @@
             <a:fld id="{501078D7-A3FC-43B8-AA97-A4C6095A8325}" type="datetimeFigureOut">
               <a:rPr lang="de-DE" smtClean="0"/>
               <a:pPr/>
-              <a:t>23.07.2012</a:t>
+              <a:t>20.08.2012</a:t>
             </a:fld>
             <a:endParaRPr lang="de-DE"/>
           </a:p>
@@ -2688,7 +2688,7 @@
             <a:fld id="{501078D7-A3FC-43B8-AA97-A4C6095A8325}" type="datetimeFigureOut">
               <a:rPr lang="de-DE" smtClean="0"/>
               <a:pPr/>
-              <a:t>23.07.2012</a:t>
+              <a:t>20.08.2012</a:t>
             </a:fld>
             <a:endParaRPr lang="de-DE"/>
           </a:p>
@@ -3061,14 +3061,14 @@
       </p:grpSpPr>
       <p:cxnSp>
         <p:nvCxnSpPr>
-          <p:cNvPr id="75" name="Gerade Verbindung 74"/>
+          <p:cNvPr id="22" name="Gerade Verbindung 21"/>
           <p:cNvCxnSpPr/>
           <p:nvPr/>
         </p:nvCxnSpPr>
         <p:spPr>
-          <a:xfrm flipH="1">
-            <a:off x="4716016" y="1518496"/>
-            <a:ext cx="255717" cy="0"/>
+          <a:xfrm>
+            <a:off x="1907704" y="2780928"/>
+            <a:ext cx="3672408" cy="0"/>
           </a:xfrm>
           <a:prstGeom prst="line">
             <a:avLst/>
@@ -3094,133 +3094,6 @@
           </a:fontRef>
         </p:style>
       </p:cxnSp>
-      <p:cxnSp>
-        <p:nvCxnSpPr>
-          <p:cNvPr id="22" name="Gerade Verbindung 21"/>
-          <p:cNvCxnSpPr/>
-          <p:nvPr/>
-        </p:nvCxnSpPr>
-        <p:spPr>
-          <a:xfrm>
-            <a:off x="1907704" y="2794190"/>
-            <a:ext cx="3017979" cy="768"/>
-          </a:xfrm>
-          <a:prstGeom prst="line">
-            <a:avLst/>
-          </a:prstGeom>
-          <a:ln w="19050">
-            <a:solidFill>
-              <a:schemeClr val="tx1"/>
-            </a:solidFill>
-          </a:ln>
-        </p:spPr>
-        <p:style>
-          <a:lnRef idx="1">
-            <a:schemeClr val="accent1"/>
-          </a:lnRef>
-          <a:fillRef idx="0">
-            <a:schemeClr val="accent1"/>
-          </a:fillRef>
-          <a:effectRef idx="0">
-            <a:schemeClr val="accent1"/>
-          </a:effectRef>
-          <a:fontRef idx="minor">
-            <a:schemeClr val="tx1"/>
-          </a:fontRef>
-        </p:style>
-      </p:cxnSp>
-      <p:sp>
-        <p:nvSpPr>
-          <p:cNvPr id="51" name="Rechteck 50"/>
-          <p:cNvSpPr/>
-          <p:nvPr/>
-        </p:nvSpPr>
-        <p:spPr>
-          <a:xfrm>
-            <a:off x="3069339" y="2641126"/>
-            <a:ext cx="134509" cy="288032"/>
-          </a:xfrm>
-          <a:prstGeom prst="rect">
-            <a:avLst/>
-          </a:prstGeom>
-          <a:solidFill>
-            <a:schemeClr val="bg1"/>
-          </a:solidFill>
-          <a:ln>
-            <a:noFill/>
-          </a:ln>
-        </p:spPr>
-        <p:style>
-          <a:lnRef idx="2">
-            <a:schemeClr val="accent1">
-              <a:shade val="50000"/>
-            </a:schemeClr>
-          </a:lnRef>
-          <a:fillRef idx="1">
-            <a:schemeClr val="accent1"/>
-          </a:fillRef>
-          <a:effectRef idx="0">
-            <a:schemeClr val="accent1"/>
-          </a:effectRef>
-          <a:fontRef idx="minor">
-            <a:schemeClr val="lt1"/>
-          </a:fontRef>
-        </p:style>
-        <p:txBody>
-          <a:bodyPr rtlCol="0" anchor="ctr"/>
-          <a:lstStyle/>
-          <a:p>
-            <a:pPr algn="ctr"/>
-            <a:endParaRPr lang="de-DE"/>
-          </a:p>
-        </p:txBody>
-      </p:sp>
-      <p:sp>
-        <p:nvSpPr>
-          <p:cNvPr id="50" name="Rechteck 49"/>
-          <p:cNvSpPr/>
-          <p:nvPr/>
-        </p:nvSpPr>
-        <p:spPr>
-          <a:xfrm>
-            <a:off x="4195844" y="2713134"/>
-            <a:ext cx="418812" cy="144016"/>
-          </a:xfrm>
-          <a:prstGeom prst="rect">
-            <a:avLst/>
-          </a:prstGeom>
-          <a:solidFill>
-            <a:schemeClr val="bg1"/>
-          </a:solidFill>
-          <a:ln>
-            <a:noFill/>
-          </a:ln>
-        </p:spPr>
-        <p:style>
-          <a:lnRef idx="2">
-            <a:schemeClr val="accent1">
-              <a:shade val="50000"/>
-            </a:schemeClr>
-          </a:lnRef>
-          <a:fillRef idx="1">
-            <a:schemeClr val="accent1"/>
-          </a:fillRef>
-          <a:effectRef idx="0">
-            <a:schemeClr val="accent1"/>
-          </a:effectRef>
-          <a:fontRef idx="minor">
-            <a:schemeClr val="lt1"/>
-          </a:fontRef>
-        </p:style>
-        <p:txBody>
-          <a:bodyPr rtlCol="0" anchor="ctr"/>
-          <a:lstStyle/>
-          <a:p>
-            <a:pPr algn="ctr"/>
-            <a:endParaRPr lang="de-DE"/>
-          </a:p>
-        </p:txBody>
-      </p:sp>
       <p:cxnSp>
         <p:nvCxnSpPr>
           <p:cNvPr id="15" name="Gerade Verbindung 14"/>
@@ -3363,559 +3236,6 @@
           </a:fontRef>
         </p:style>
       </p:cxnSp>
-      <p:sp>
-        <p:nvSpPr>
-          <p:cNvPr id="20" name="Ellipse 19"/>
-          <p:cNvSpPr/>
-          <p:nvPr/>
-        </p:nvSpPr>
-        <p:spPr>
-          <a:xfrm>
-            <a:off x="4938814" y="2610016"/>
-            <a:ext cx="360040" cy="360040"/>
-          </a:xfrm>
-          <a:prstGeom prst="ellipse">
-            <a:avLst/>
-          </a:prstGeom>
-          <a:noFill/>
-          <a:ln w="19050">
-            <a:solidFill>
-              <a:schemeClr val="tx1"/>
-            </a:solidFill>
-          </a:ln>
-        </p:spPr>
-        <p:style>
-          <a:lnRef idx="2">
-            <a:schemeClr val="accent1">
-              <a:shade val="50000"/>
-            </a:schemeClr>
-          </a:lnRef>
-          <a:fillRef idx="1">
-            <a:schemeClr val="accent1"/>
-          </a:fillRef>
-          <a:effectRef idx="0">
-            <a:schemeClr val="accent1"/>
-          </a:effectRef>
-          <a:fontRef idx="minor">
-            <a:schemeClr val="lt1"/>
-          </a:fontRef>
-        </p:style>
-        <p:txBody>
-          <a:bodyPr rtlCol="0" anchor="ctr"/>
-          <a:lstStyle/>
-          <a:p>
-            <a:pPr algn="ctr"/>
-            <a:endParaRPr lang="de-DE" sz="1400" i="1" baseline="-25000" dirty="0">
-              <a:solidFill>
-                <a:schemeClr val="tx1"/>
-              </a:solidFill>
-              <a:latin typeface="Times New Roman" pitchFamily="18" charset="0"/>
-              <a:cs typeface="Times New Roman" pitchFamily="18" charset="0"/>
-            </a:endParaRPr>
-          </a:p>
-        </p:txBody>
-      </p:sp>
-      <p:sp>
-        <p:nvSpPr>
-          <p:cNvPr id="21" name="Rechteck 20"/>
-          <p:cNvSpPr/>
-          <p:nvPr/>
-        </p:nvSpPr>
-        <p:spPr>
-          <a:xfrm>
-            <a:off x="4959646" y="2626419"/>
-            <a:ext cx="293670" cy="307777"/>
-          </a:xfrm>
-          <a:prstGeom prst="rect">
-            <a:avLst/>
-          </a:prstGeom>
-          <a:ln w="19050">
-            <a:noFill/>
-          </a:ln>
-        </p:spPr>
-        <p:txBody>
-          <a:bodyPr wrap="none">
-            <a:spAutoFit/>
-          </a:bodyPr>
-          <a:lstStyle/>
-          <a:p>
-            <a:pPr algn="ctr"/>
-            <a:r>
-              <a:rPr lang="de-DE" sz="1400" i="1" dirty="0" smtClean="0">
-                <a:solidFill>
-                  <a:schemeClr val="tx1"/>
-                </a:solidFill>
-                <a:latin typeface="Times New Roman" pitchFamily="18" charset="0"/>
-                <a:cs typeface="Times New Roman" pitchFamily="18" charset="0"/>
-              </a:rPr>
-              <a:t>V</a:t>
-            </a:r>
-            <a:endParaRPr lang="de-DE" sz="2000" i="1" baseline="-25000" dirty="0">
-              <a:solidFill>
-                <a:schemeClr val="tx1"/>
-              </a:solidFill>
-              <a:latin typeface="Times New Roman" pitchFamily="18" charset="0"/>
-              <a:cs typeface="Times New Roman" pitchFamily="18" charset="0"/>
-            </a:endParaRPr>
-          </a:p>
-        </p:txBody>
-      </p:sp>
-      <p:cxnSp>
-        <p:nvCxnSpPr>
-          <p:cNvPr id="23" name="Gerade Verbindung 22"/>
-          <p:cNvCxnSpPr>
-            <a:endCxn id="20" idx="6"/>
-          </p:cNvCxnSpPr>
-          <p:nvPr/>
-        </p:nvCxnSpPr>
-        <p:spPr>
-          <a:xfrm flipH="1" flipV="1">
-            <a:off x="5298854" y="2790036"/>
-            <a:ext cx="281258" cy="144"/>
-          </a:xfrm>
-          <a:prstGeom prst="line">
-            <a:avLst/>
-          </a:prstGeom>
-          <a:ln w="19050">
-            <a:solidFill>
-              <a:schemeClr val="tx1"/>
-            </a:solidFill>
-          </a:ln>
-        </p:spPr>
-        <p:style>
-          <a:lnRef idx="1">
-            <a:schemeClr val="accent1"/>
-          </a:lnRef>
-          <a:fillRef idx="0">
-            <a:schemeClr val="accent1"/>
-          </a:fillRef>
-          <a:effectRef idx="0">
-            <a:schemeClr val="accent1"/>
-          </a:effectRef>
-          <a:fontRef idx="minor">
-            <a:schemeClr val="tx1"/>
-          </a:fontRef>
-        </p:style>
-      </p:cxnSp>
-      <p:grpSp>
-        <p:nvGrpSpPr>
-          <p:cNvPr id="46" name="Gruppieren 45"/>
-          <p:cNvGrpSpPr/>
-          <p:nvPr/>
-        </p:nvGrpSpPr>
-        <p:grpSpPr>
-          <a:xfrm rot="5400000">
-            <a:off x="2991899" y="2739636"/>
-            <a:ext cx="288032" cy="107868"/>
-            <a:chOff x="2123728" y="2169004"/>
-            <a:chExt cx="288032" cy="107868"/>
-          </a:xfrm>
-        </p:grpSpPr>
-        <p:cxnSp>
-          <p:nvCxnSpPr>
-            <p:cNvPr id="27" name="Gerade Verbindung 26"/>
-            <p:cNvCxnSpPr/>
-            <p:nvPr/>
-          </p:nvCxnSpPr>
-          <p:spPr>
-            <a:xfrm>
-              <a:off x="2123728" y="2276872"/>
-              <a:ext cx="288032" cy="0"/>
-            </a:xfrm>
-            <a:prstGeom prst="line">
-              <a:avLst/>
-            </a:prstGeom>
-            <a:ln w="19050">
-              <a:solidFill>
-                <a:schemeClr val="tx1"/>
-              </a:solidFill>
-              <a:prstDash val="solid"/>
-            </a:ln>
-          </p:spPr>
-          <p:style>
-            <a:lnRef idx="1">
-              <a:schemeClr val="accent1"/>
-            </a:lnRef>
-            <a:fillRef idx="0">
-              <a:schemeClr val="accent1"/>
-            </a:fillRef>
-            <a:effectRef idx="0">
-              <a:schemeClr val="accent1"/>
-            </a:effectRef>
-            <a:fontRef idx="minor">
-              <a:schemeClr val="tx1"/>
-            </a:fontRef>
-          </p:style>
-        </p:cxnSp>
-        <p:cxnSp>
-          <p:nvCxnSpPr>
-            <p:cNvPr id="28" name="Gerade Verbindung 27"/>
-            <p:cNvCxnSpPr/>
-            <p:nvPr/>
-          </p:nvCxnSpPr>
-          <p:spPr>
-            <a:xfrm>
-              <a:off x="2123728" y="2169004"/>
-              <a:ext cx="288032" cy="0"/>
-            </a:xfrm>
-            <a:prstGeom prst="line">
-              <a:avLst/>
-            </a:prstGeom>
-            <a:ln w="19050">
-              <a:solidFill>
-                <a:schemeClr val="tx1"/>
-              </a:solidFill>
-              <a:prstDash val="solid"/>
-            </a:ln>
-          </p:spPr>
-          <p:style>
-            <a:lnRef idx="1">
-              <a:schemeClr val="accent1"/>
-            </a:lnRef>
-            <a:fillRef idx="0">
-              <a:schemeClr val="accent1"/>
-            </a:fillRef>
-            <a:effectRef idx="0">
-              <a:schemeClr val="accent1"/>
-            </a:effectRef>
-            <a:fontRef idx="minor">
-              <a:schemeClr val="tx1"/>
-            </a:fontRef>
-          </p:style>
-        </p:cxnSp>
-      </p:grpSp>
-      <p:sp>
-        <p:nvSpPr>
-          <p:cNvPr id="33" name="Textfeld 32"/>
-          <p:cNvSpPr txBox="1"/>
-          <p:nvPr/>
-        </p:nvSpPr>
-        <p:spPr>
-          <a:xfrm>
-            <a:off x="2915816" y="2204864"/>
-            <a:ext cx="407484" cy="369332"/>
-          </a:xfrm>
-          <a:prstGeom prst="rect">
-            <a:avLst/>
-          </a:prstGeom>
-          <a:noFill/>
-        </p:spPr>
-        <p:txBody>
-          <a:bodyPr wrap="none" rtlCol="0">
-            <a:spAutoFit/>
-          </a:bodyPr>
-          <a:lstStyle/>
-          <a:p>
-            <a:r>
-              <a:rPr lang="de-DE" i="1" dirty="0" err="1" smtClean="0">
-                <a:latin typeface="Times New Roman" pitchFamily="18" charset="0"/>
-                <a:cs typeface="Times New Roman" pitchFamily="18" charset="0"/>
-              </a:rPr>
-              <a:t>C</a:t>
-            </a:r>
-            <a:r>
-              <a:rPr lang="de-DE" i="1" baseline="-25000" dirty="0" err="1" smtClean="0">
-                <a:latin typeface="Times New Roman" pitchFamily="18" charset="0"/>
-                <a:cs typeface="Times New Roman" pitchFamily="18" charset="0"/>
-              </a:rPr>
-              <a:t>e</a:t>
-            </a:r>
-            <a:endParaRPr lang="de-DE" i="1" baseline="-25000" dirty="0">
-              <a:latin typeface="Times New Roman" pitchFamily="18" charset="0"/>
-              <a:cs typeface="Times New Roman" pitchFamily="18" charset="0"/>
-            </a:endParaRPr>
-          </a:p>
-        </p:txBody>
-      </p:sp>
-      <p:sp>
-        <p:nvSpPr>
-          <p:cNvPr id="34" name="Textfeld 33"/>
-          <p:cNvSpPr txBox="1"/>
-          <p:nvPr/>
-        </p:nvSpPr>
-        <p:spPr>
-          <a:xfrm>
-            <a:off x="4211960" y="2204864"/>
-            <a:ext cx="381836" cy="369332"/>
-          </a:xfrm>
-          <a:prstGeom prst="rect">
-            <a:avLst/>
-          </a:prstGeom>
-          <a:noFill/>
-        </p:spPr>
-        <p:txBody>
-          <a:bodyPr wrap="none" rtlCol="0">
-            <a:spAutoFit/>
-          </a:bodyPr>
-          <a:lstStyle/>
-          <a:p>
-            <a:r>
-              <a:rPr lang="de-DE" i="1" dirty="0" smtClean="0">
-                <a:latin typeface="Times New Roman" pitchFamily="18" charset="0"/>
-                <a:cs typeface="Times New Roman" pitchFamily="18" charset="0"/>
-              </a:rPr>
-              <a:t>L</a:t>
-            </a:r>
-            <a:r>
-              <a:rPr lang="de-DE" i="1" baseline="-25000" dirty="0" smtClean="0">
-                <a:latin typeface="Times New Roman" pitchFamily="18" charset="0"/>
-                <a:cs typeface="Times New Roman" pitchFamily="18" charset="0"/>
-              </a:rPr>
-              <a:t>e</a:t>
-            </a:r>
-            <a:endParaRPr lang="de-DE" i="1" baseline="-25000" dirty="0">
-              <a:latin typeface="Times New Roman" pitchFamily="18" charset="0"/>
-              <a:cs typeface="Times New Roman" pitchFamily="18" charset="0"/>
-            </a:endParaRPr>
-          </a:p>
-        </p:txBody>
-      </p:sp>
-      <p:grpSp>
-        <p:nvGrpSpPr>
-          <p:cNvPr id="37" name="Gruppieren 26"/>
-          <p:cNvGrpSpPr/>
-          <p:nvPr/>
-        </p:nvGrpSpPr>
-        <p:grpSpPr>
-          <a:xfrm rot="5556335" flipH="1" flipV="1">
-            <a:off x="4332963" y="2600361"/>
-            <a:ext cx="156407" cy="407237"/>
-            <a:chOff x="3263465" y="1394775"/>
-            <a:chExt cx="384822" cy="1577366"/>
-          </a:xfrm>
-        </p:grpSpPr>
-        <p:sp>
-          <p:nvSpPr>
-            <p:cNvPr id="40" name="Bogen 39"/>
-            <p:cNvSpPr/>
-            <p:nvPr/>
-          </p:nvSpPr>
-          <p:spPr>
-            <a:xfrm rot="11021761" flipH="1" flipV="1">
-              <a:off x="3263465" y="1394775"/>
-              <a:ext cx="360040" cy="396044"/>
-            </a:xfrm>
-            <a:prstGeom prst="arc">
-              <a:avLst>
-                <a:gd name="adj1" fmla="val 15538480"/>
-                <a:gd name="adj2" fmla="val 5376446"/>
-              </a:avLst>
-            </a:prstGeom>
-            <a:ln w="19050">
-              <a:solidFill>
-                <a:schemeClr val="tx1"/>
-              </a:solidFill>
-              <a:prstDash val="solid"/>
-            </a:ln>
-          </p:spPr>
-          <p:style>
-            <a:lnRef idx="1">
-              <a:schemeClr val="accent1"/>
-            </a:lnRef>
-            <a:fillRef idx="0">
-              <a:schemeClr val="accent1"/>
-            </a:fillRef>
-            <a:effectRef idx="0">
-              <a:schemeClr val="accent1"/>
-            </a:effectRef>
-            <a:fontRef idx="minor">
-              <a:schemeClr val="tx1"/>
-            </a:fontRef>
-          </p:style>
-          <p:txBody>
-            <a:bodyPr rtlCol="0" anchor="ctr"/>
-            <a:lstStyle/>
-            <a:p>
-              <a:pPr algn="ctr"/>
-              <a:endParaRPr lang="de-DE" dirty="0"/>
-            </a:p>
-          </p:txBody>
-        </p:sp>
-        <p:sp>
-          <p:nvSpPr>
-            <p:cNvPr id="41" name="Bogen 40"/>
-            <p:cNvSpPr/>
-            <p:nvPr/>
-          </p:nvSpPr>
-          <p:spPr>
-            <a:xfrm rot="11021761" flipH="1" flipV="1">
-              <a:off x="3288246" y="1784010"/>
-              <a:ext cx="360040" cy="396044"/>
-            </a:xfrm>
-            <a:prstGeom prst="arc">
-              <a:avLst>
-                <a:gd name="adj1" fmla="val 15538480"/>
-                <a:gd name="adj2" fmla="val 5376446"/>
-              </a:avLst>
-            </a:prstGeom>
-            <a:ln w="19050">
-              <a:solidFill>
-                <a:schemeClr val="tx1"/>
-              </a:solidFill>
-              <a:prstDash val="solid"/>
-            </a:ln>
-          </p:spPr>
-          <p:style>
-            <a:lnRef idx="1">
-              <a:schemeClr val="accent1"/>
-            </a:lnRef>
-            <a:fillRef idx="0">
-              <a:schemeClr val="accent1"/>
-            </a:fillRef>
-            <a:effectRef idx="0">
-              <a:schemeClr val="accent1"/>
-            </a:effectRef>
-            <a:fontRef idx="minor">
-              <a:schemeClr val="tx1"/>
-            </a:fontRef>
-          </p:style>
-          <p:txBody>
-            <a:bodyPr rtlCol="0" anchor="ctr"/>
-            <a:lstStyle/>
-            <a:p>
-              <a:pPr algn="ctr"/>
-              <a:endParaRPr lang="de-DE" dirty="0"/>
-            </a:p>
-          </p:txBody>
-        </p:sp>
-        <p:sp>
-          <p:nvSpPr>
-            <p:cNvPr id="42" name="Bogen 41"/>
-            <p:cNvSpPr/>
-            <p:nvPr/>
-          </p:nvSpPr>
-          <p:spPr>
-            <a:xfrm rot="11021761" flipH="1" flipV="1">
-              <a:off x="3288247" y="2170945"/>
-              <a:ext cx="360040" cy="396044"/>
-            </a:xfrm>
-            <a:prstGeom prst="arc">
-              <a:avLst>
-                <a:gd name="adj1" fmla="val 15538480"/>
-                <a:gd name="adj2" fmla="val 5376446"/>
-              </a:avLst>
-            </a:prstGeom>
-            <a:ln w="19050">
-              <a:solidFill>
-                <a:schemeClr val="tx1"/>
-              </a:solidFill>
-              <a:prstDash val="solid"/>
-            </a:ln>
-          </p:spPr>
-          <p:style>
-            <a:lnRef idx="1">
-              <a:schemeClr val="accent1"/>
-            </a:lnRef>
-            <a:fillRef idx="0">
-              <a:schemeClr val="accent1"/>
-            </a:fillRef>
-            <a:effectRef idx="0">
-              <a:schemeClr val="accent1"/>
-            </a:effectRef>
-            <a:fontRef idx="minor">
-              <a:schemeClr val="tx1"/>
-            </a:fontRef>
-          </p:style>
-          <p:txBody>
-            <a:bodyPr rtlCol="0" anchor="ctr"/>
-            <a:lstStyle/>
-            <a:p>
-              <a:pPr algn="ctr"/>
-              <a:endParaRPr lang="de-DE" dirty="0"/>
-            </a:p>
-          </p:txBody>
-        </p:sp>
-        <p:sp>
-          <p:nvSpPr>
-            <p:cNvPr id="43" name="Bogen 42"/>
-            <p:cNvSpPr/>
-            <p:nvPr/>
-          </p:nvSpPr>
-          <p:spPr>
-            <a:xfrm rot="11021761" flipH="1" flipV="1">
-              <a:off x="3288247" y="2576097"/>
-              <a:ext cx="360040" cy="396044"/>
-            </a:xfrm>
-            <a:prstGeom prst="arc">
-              <a:avLst>
-                <a:gd name="adj1" fmla="val 15538480"/>
-                <a:gd name="adj2" fmla="val 5376446"/>
-              </a:avLst>
-            </a:prstGeom>
-            <a:ln w="19050">
-              <a:solidFill>
-                <a:schemeClr val="tx1"/>
-              </a:solidFill>
-              <a:prstDash val="solid"/>
-            </a:ln>
-          </p:spPr>
-          <p:style>
-            <a:lnRef idx="1">
-              <a:schemeClr val="accent1"/>
-            </a:lnRef>
-            <a:fillRef idx="0">
-              <a:schemeClr val="accent1"/>
-            </a:fillRef>
-            <a:effectRef idx="0">
-              <a:schemeClr val="accent1"/>
-            </a:effectRef>
-            <a:fontRef idx="minor">
-              <a:schemeClr val="tx1"/>
-            </a:fontRef>
-          </p:style>
-          <p:txBody>
-            <a:bodyPr rtlCol="0" anchor="ctr"/>
-            <a:lstStyle/>
-            <a:p>
-              <a:pPr algn="ctr"/>
-              <a:endParaRPr lang="de-DE" dirty="0"/>
-            </a:p>
-          </p:txBody>
-        </p:sp>
-      </p:grpSp>
-      <p:sp>
-        <p:nvSpPr>
-          <p:cNvPr id="67" name="Textfeld 66"/>
-          <p:cNvSpPr txBox="1"/>
-          <p:nvPr/>
-        </p:nvSpPr>
-        <p:spPr>
-          <a:xfrm>
-            <a:off x="3614100" y="2204864"/>
-            <a:ext cx="394660" cy="369332"/>
-          </a:xfrm>
-          <a:prstGeom prst="rect">
-            <a:avLst/>
-          </a:prstGeom>
-          <a:noFill/>
-        </p:spPr>
-        <p:txBody>
-          <a:bodyPr wrap="none" rtlCol="0">
-            <a:spAutoFit/>
-          </a:bodyPr>
-          <a:lstStyle/>
-          <a:p>
-            <a:r>
-              <a:rPr lang="de-DE" i="1" dirty="0" smtClean="0">
-                <a:latin typeface="Times New Roman" pitchFamily="18" charset="0"/>
-                <a:cs typeface="Times New Roman" pitchFamily="18" charset="0"/>
-              </a:rPr>
-              <a:t>E</a:t>
-            </a:r>
-            <a:r>
-              <a:rPr lang="de-DE" i="1" baseline="-25000" dirty="0" smtClean="0">
-                <a:latin typeface="Times New Roman" pitchFamily="18" charset="0"/>
-                <a:cs typeface="Times New Roman" pitchFamily="18" charset="0"/>
-              </a:rPr>
-              <a:t>J</a:t>
-            </a:r>
-            <a:endParaRPr lang="de-DE" i="1" baseline="-25000" dirty="0">
-              <a:latin typeface="Times New Roman" pitchFamily="18" charset="0"/>
-              <a:cs typeface="Times New Roman" pitchFamily="18" charset="0"/>
-            </a:endParaRPr>
-          </a:p>
-        </p:txBody>
-      </p:sp>
       <p:cxnSp>
         <p:nvCxnSpPr>
           <p:cNvPr id="52" name="Gerade Verbindung 51"/>
@@ -3924,7 +3244,7 @@
         </p:nvCxnSpPr>
         <p:spPr>
           <a:xfrm>
-            <a:off x="1907704" y="2785142"/>
+            <a:off x="1907704" y="2767890"/>
             <a:ext cx="0" cy="432048"/>
           </a:xfrm>
           <a:prstGeom prst="line">
@@ -3961,7 +3281,7 @@
         </p:nvCxnSpPr>
         <p:spPr>
           <a:xfrm>
-            <a:off x="1691680" y="3217190"/>
+            <a:off x="1691680" y="3199938"/>
             <a:ext cx="432048" cy="0"/>
           </a:xfrm>
           <a:prstGeom prst="line">
@@ -3996,7 +3316,7 @@
         </p:nvCxnSpPr>
         <p:spPr>
           <a:xfrm flipH="1">
-            <a:off x="1763688" y="3289198"/>
+            <a:off x="1763688" y="3271946"/>
             <a:ext cx="288032" cy="0"/>
           </a:xfrm>
           <a:prstGeom prst="line">
@@ -4031,7 +3351,7 @@
         </p:nvCxnSpPr>
         <p:spPr>
           <a:xfrm flipH="1">
-            <a:off x="1835696" y="3361206"/>
+            <a:off x="1835696" y="3343954"/>
             <a:ext cx="144016" cy="0"/>
           </a:xfrm>
           <a:prstGeom prst="line">
@@ -4066,7 +3386,7 @@
         </p:nvSpPr>
         <p:spPr>
           <a:xfrm>
-            <a:off x="2060129" y="1411788"/>
+            <a:off x="2636036" y="1403162"/>
             <a:ext cx="127859" cy="216024"/>
           </a:xfrm>
           <a:prstGeom prst="ellipse">
@@ -4114,7 +3434,7 @@
         </p:nvCxnSpPr>
         <p:spPr>
           <a:xfrm>
-            <a:off x="2123728" y="1412776"/>
+            <a:off x="2699635" y="1404150"/>
             <a:ext cx="936104" cy="0"/>
           </a:xfrm>
           <a:prstGeom prst="line">
@@ -4149,7 +3469,7 @@
         </p:nvCxnSpPr>
         <p:spPr>
           <a:xfrm>
-            <a:off x="2128735" y="1627881"/>
+            <a:off x="2704642" y="1619255"/>
             <a:ext cx="931097" cy="919"/>
           </a:xfrm>
           <a:prstGeom prst="line">
@@ -4184,7 +3504,7 @@
         </p:nvSpPr>
         <p:spPr>
           <a:xfrm>
-            <a:off x="2943149" y="1408522"/>
+            <a:off x="3519056" y="1399896"/>
             <a:ext cx="192905" cy="219359"/>
           </a:xfrm>
           <a:prstGeom prst="arc">
@@ -4230,7 +3550,7 @@
         </p:nvSpPr>
         <p:spPr>
           <a:xfrm>
-            <a:off x="3640091" y="1412707"/>
+            <a:off x="4215998" y="1404081"/>
             <a:ext cx="127859" cy="216024"/>
           </a:xfrm>
           <a:prstGeom prst="ellipse">
@@ -4278,7 +3598,7 @@
         </p:nvCxnSpPr>
         <p:spPr>
           <a:xfrm>
-            <a:off x="3703690" y="1413695"/>
+            <a:off x="4279597" y="1405069"/>
             <a:ext cx="936104" cy="0"/>
           </a:xfrm>
           <a:prstGeom prst="line">
@@ -4313,7 +3633,7 @@
         </p:nvCxnSpPr>
         <p:spPr>
           <a:xfrm>
-            <a:off x="3708697" y="1628800"/>
+            <a:off x="4284604" y="1620174"/>
             <a:ext cx="931097" cy="919"/>
           </a:xfrm>
           <a:prstGeom prst="line">
@@ -4348,7 +3668,7 @@
         </p:nvSpPr>
         <p:spPr>
           <a:xfrm>
-            <a:off x="4523111" y="1409441"/>
+            <a:off x="5099018" y="1400815"/>
             <a:ext cx="192905" cy="219359"/>
           </a:xfrm>
           <a:prstGeom prst="arc">
@@ -4394,7 +3714,7 @@
         </p:nvGrpSpPr>
         <p:grpSpPr>
           <a:xfrm>
-            <a:off x="3275856" y="1412776"/>
+            <a:off x="3851763" y="1404150"/>
             <a:ext cx="216024" cy="216024"/>
             <a:chOff x="2771800" y="2348880"/>
             <a:chExt cx="288032" cy="288032"/>
@@ -4506,105 +3826,6 @@
           </a:fontRef>
         </p:style>
       </p:cxnSp>
-      <p:sp>
-        <p:nvSpPr>
-          <p:cNvPr id="68" name="Ellipse 67"/>
-          <p:cNvSpPr/>
-          <p:nvPr/>
-        </p:nvSpPr>
-        <p:spPr>
-          <a:xfrm>
-            <a:off x="4940863" y="1324365"/>
-            <a:ext cx="360040" cy="360040"/>
-          </a:xfrm>
-          <a:prstGeom prst="ellipse">
-            <a:avLst/>
-          </a:prstGeom>
-          <a:solidFill>
-            <a:schemeClr val="bg1"/>
-          </a:solidFill>
-          <a:ln w="19050">
-            <a:solidFill>
-              <a:schemeClr val="tx1"/>
-            </a:solidFill>
-          </a:ln>
-        </p:spPr>
-        <p:style>
-          <a:lnRef idx="2">
-            <a:schemeClr val="accent1">
-              <a:shade val="50000"/>
-            </a:schemeClr>
-          </a:lnRef>
-          <a:fillRef idx="1">
-            <a:schemeClr val="accent1"/>
-          </a:fillRef>
-          <a:effectRef idx="0">
-            <a:schemeClr val="accent1"/>
-          </a:effectRef>
-          <a:fontRef idx="minor">
-            <a:schemeClr val="lt1"/>
-          </a:fontRef>
-        </p:style>
-        <p:txBody>
-          <a:bodyPr rtlCol="0" anchor="ctr"/>
-          <a:lstStyle/>
-          <a:p>
-            <a:pPr algn="ctr"/>
-            <a:endParaRPr lang="de-DE" sz="1400" i="1" baseline="-25000" dirty="0">
-              <a:solidFill>
-                <a:schemeClr val="tx1"/>
-              </a:solidFill>
-              <a:latin typeface="Times New Roman" pitchFamily="18" charset="0"/>
-              <a:cs typeface="Times New Roman" pitchFamily="18" charset="0"/>
-            </a:endParaRPr>
-          </a:p>
-        </p:txBody>
-      </p:sp>
-      <p:sp>
-        <p:nvSpPr>
-          <p:cNvPr id="69" name="Rechteck 68"/>
-          <p:cNvSpPr/>
-          <p:nvPr/>
-        </p:nvSpPr>
-        <p:spPr>
-          <a:xfrm>
-            <a:off x="4961695" y="1340768"/>
-            <a:ext cx="293670" cy="307777"/>
-          </a:xfrm>
-          <a:prstGeom prst="rect">
-            <a:avLst/>
-          </a:prstGeom>
-          <a:ln w="19050">
-            <a:noFill/>
-          </a:ln>
-        </p:spPr>
-        <p:txBody>
-          <a:bodyPr wrap="none">
-            <a:spAutoFit/>
-          </a:bodyPr>
-          <a:lstStyle/>
-          <a:p>
-            <a:pPr algn="ctr"/>
-            <a:r>
-              <a:rPr lang="de-DE" sz="1400" i="1" dirty="0" smtClean="0">
-                <a:solidFill>
-                  <a:schemeClr val="tx1"/>
-                </a:solidFill>
-                <a:latin typeface="Times New Roman" pitchFamily="18" charset="0"/>
-                <a:cs typeface="Times New Roman" pitchFamily="18" charset="0"/>
-              </a:rPr>
-              <a:t>V</a:t>
-            </a:r>
-            <a:endParaRPr lang="de-DE" sz="2000" i="1" baseline="-25000" dirty="0">
-              <a:solidFill>
-                <a:schemeClr val="tx1"/>
-              </a:solidFill>
-              <a:latin typeface="Times New Roman" pitchFamily="18" charset="0"/>
-              <a:cs typeface="Times New Roman" pitchFamily="18" charset="0"/>
-            </a:endParaRPr>
-          </a:p>
-        </p:txBody>
-      </p:sp>
       <p:cxnSp>
         <p:nvCxnSpPr>
           <p:cNvPr id="70" name="Gerade Verbindung 69"/>
@@ -4749,48 +3970,13 @@
       </p:cxnSp>
       <p:cxnSp>
         <p:nvCxnSpPr>
-          <p:cNvPr id="74" name="Gerade Verbindung 73"/>
-          <p:cNvCxnSpPr/>
-          <p:nvPr/>
-        </p:nvCxnSpPr>
-        <p:spPr>
-          <a:xfrm flipH="1" flipV="1">
-            <a:off x="5298854" y="1510748"/>
-            <a:ext cx="281258" cy="144"/>
-          </a:xfrm>
-          <a:prstGeom prst="line">
-            <a:avLst/>
-          </a:prstGeom>
-          <a:ln w="19050">
-            <a:solidFill>
-              <a:schemeClr val="tx1"/>
-            </a:solidFill>
-          </a:ln>
-        </p:spPr>
-        <p:style>
-          <a:lnRef idx="1">
-            <a:schemeClr val="accent1"/>
-          </a:lnRef>
-          <a:fillRef idx="0">
-            <a:schemeClr val="accent1"/>
-          </a:fillRef>
-          <a:effectRef idx="0">
-            <a:schemeClr val="accent1"/>
-          </a:effectRef>
-          <a:fontRef idx="minor">
-            <a:schemeClr val="tx1"/>
-          </a:fontRef>
-        </p:style>
-      </p:cxnSp>
-      <p:cxnSp>
-        <p:nvCxnSpPr>
           <p:cNvPr id="76" name="Gerade Verbindung 75"/>
           <p:cNvCxnSpPr/>
           <p:nvPr/>
         </p:nvCxnSpPr>
         <p:spPr>
           <a:xfrm flipH="1">
-            <a:off x="3127626" y="1518496"/>
+            <a:off x="3703533" y="1509870"/>
             <a:ext cx="576065" cy="0"/>
           </a:xfrm>
           <a:prstGeom prst="line">
@@ -5031,15 +4217,693 @@
           </a:p>
         </p:txBody>
       </p:sp>
+      <p:cxnSp>
+        <p:nvCxnSpPr>
+          <p:cNvPr id="93" name="Gerade Verbindung 92"/>
+          <p:cNvCxnSpPr/>
+          <p:nvPr/>
+        </p:nvCxnSpPr>
+        <p:spPr>
+          <a:xfrm flipH="1" flipV="1">
+            <a:off x="5292080" y="1510748"/>
+            <a:ext cx="281258" cy="144"/>
+          </a:xfrm>
+          <a:prstGeom prst="line">
+            <a:avLst/>
+          </a:prstGeom>
+          <a:ln w="19050">
+            <a:solidFill>
+              <a:schemeClr val="tx1"/>
+            </a:solidFill>
+          </a:ln>
+        </p:spPr>
+        <p:style>
+          <a:lnRef idx="1">
+            <a:schemeClr val="accent1"/>
+          </a:lnRef>
+          <a:fillRef idx="0">
+            <a:schemeClr val="accent1"/>
+          </a:fillRef>
+          <a:effectRef idx="0">
+            <a:schemeClr val="accent1"/>
+          </a:effectRef>
+          <a:fontRef idx="minor">
+            <a:schemeClr val="tx1"/>
+          </a:fontRef>
+        </p:style>
+      </p:cxnSp>
+      <p:sp>
+        <p:nvSpPr>
+          <p:cNvPr id="94" name="Ellipse 93"/>
+          <p:cNvSpPr/>
+          <p:nvPr/>
+        </p:nvSpPr>
+        <p:spPr>
+          <a:xfrm>
+            <a:off x="2123728" y="1323516"/>
+            <a:ext cx="360040" cy="360040"/>
+          </a:xfrm>
+          <a:prstGeom prst="ellipse">
+            <a:avLst/>
+          </a:prstGeom>
+          <a:noFill/>
+          <a:ln w="19050">
+            <a:solidFill>
+              <a:schemeClr val="tx1"/>
+            </a:solidFill>
+          </a:ln>
+        </p:spPr>
+        <p:style>
+          <a:lnRef idx="2">
+            <a:schemeClr val="accent1">
+              <a:shade val="50000"/>
+            </a:schemeClr>
+          </a:lnRef>
+          <a:fillRef idx="1">
+            <a:schemeClr val="accent1"/>
+          </a:fillRef>
+          <a:effectRef idx="0">
+            <a:schemeClr val="accent1"/>
+          </a:effectRef>
+          <a:fontRef idx="minor">
+            <a:schemeClr val="lt1"/>
+          </a:fontRef>
+        </p:style>
+        <p:txBody>
+          <a:bodyPr rtlCol="0" anchor="ctr"/>
+          <a:lstStyle/>
+          <a:p>
+            <a:pPr algn="ctr"/>
+            <a:endParaRPr lang="de-DE" sz="1400" i="1" baseline="-25000" dirty="0">
+              <a:solidFill>
+                <a:schemeClr val="tx1"/>
+              </a:solidFill>
+              <a:latin typeface="Times New Roman" pitchFamily="18" charset="0"/>
+              <a:cs typeface="Times New Roman" pitchFamily="18" charset="0"/>
+            </a:endParaRPr>
+          </a:p>
+        </p:txBody>
+      </p:sp>
+      <p:sp>
+        <p:nvSpPr>
+          <p:cNvPr id="95" name="Rechteck 94"/>
+          <p:cNvSpPr/>
+          <p:nvPr/>
+        </p:nvSpPr>
+        <p:spPr>
+          <a:xfrm>
+            <a:off x="2144560" y="1339919"/>
+            <a:ext cx="293670" cy="307777"/>
+          </a:xfrm>
+          <a:prstGeom prst="rect">
+            <a:avLst/>
+          </a:prstGeom>
+          <a:ln w="19050">
+            <a:noFill/>
+          </a:ln>
+        </p:spPr>
+        <p:txBody>
+          <a:bodyPr wrap="none">
+            <a:spAutoFit/>
+          </a:bodyPr>
+          <a:lstStyle/>
+          <a:p>
+            <a:pPr algn="ctr"/>
+            <a:r>
+              <a:rPr lang="de-DE" sz="1400" i="1" dirty="0" smtClean="0">
+                <a:solidFill>
+                  <a:schemeClr val="tx1"/>
+                </a:solidFill>
+                <a:latin typeface="Times New Roman" pitchFamily="18" charset="0"/>
+                <a:cs typeface="Times New Roman" pitchFamily="18" charset="0"/>
+              </a:rPr>
+              <a:t>V</a:t>
+            </a:r>
+            <a:endParaRPr lang="de-DE" sz="2000" i="1" baseline="-25000" dirty="0">
+              <a:solidFill>
+                <a:schemeClr val="tx1"/>
+              </a:solidFill>
+              <a:latin typeface="Times New Roman" pitchFamily="18" charset="0"/>
+              <a:cs typeface="Times New Roman" pitchFamily="18" charset="0"/>
+            </a:endParaRPr>
+          </a:p>
+        </p:txBody>
+      </p:sp>
+      <p:cxnSp>
+        <p:nvCxnSpPr>
+          <p:cNvPr id="75" name="Gerade Verbindung 74"/>
+          <p:cNvCxnSpPr/>
+          <p:nvPr/>
+        </p:nvCxnSpPr>
+        <p:spPr>
+          <a:xfrm flipH="1" flipV="1">
+            <a:off x="2487206" y="1509870"/>
+            <a:ext cx="209212" cy="1304"/>
+          </a:xfrm>
+          <a:prstGeom prst="line">
+            <a:avLst/>
+          </a:prstGeom>
+          <a:ln w="19050">
+            <a:solidFill>
+              <a:schemeClr val="tx1"/>
+            </a:solidFill>
+          </a:ln>
+        </p:spPr>
+        <p:style>
+          <a:lnRef idx="1">
+            <a:schemeClr val="accent1"/>
+          </a:lnRef>
+          <a:fillRef idx="0">
+            <a:schemeClr val="accent1"/>
+          </a:fillRef>
+          <a:effectRef idx="0">
+            <a:schemeClr val="accent1"/>
+          </a:effectRef>
+          <a:fontRef idx="minor">
+            <a:schemeClr val="tx1"/>
+          </a:fontRef>
+        </p:style>
+      </p:cxnSp>
+      <p:sp>
+        <p:nvSpPr>
+          <p:cNvPr id="98" name="Rechteck 97"/>
+          <p:cNvSpPr/>
+          <p:nvPr/>
+        </p:nvSpPr>
+        <p:spPr>
+          <a:xfrm>
+            <a:off x="3506377" y="2641126"/>
+            <a:ext cx="134509" cy="288032"/>
+          </a:xfrm>
+          <a:prstGeom prst="rect">
+            <a:avLst/>
+          </a:prstGeom>
+          <a:solidFill>
+            <a:schemeClr val="bg1"/>
+          </a:solidFill>
+          <a:ln>
+            <a:noFill/>
+          </a:ln>
+        </p:spPr>
+        <p:style>
+          <a:lnRef idx="2">
+            <a:schemeClr val="accent1">
+              <a:shade val="50000"/>
+            </a:schemeClr>
+          </a:lnRef>
+          <a:fillRef idx="1">
+            <a:schemeClr val="accent1"/>
+          </a:fillRef>
+          <a:effectRef idx="0">
+            <a:schemeClr val="accent1"/>
+          </a:effectRef>
+          <a:fontRef idx="minor">
+            <a:schemeClr val="lt1"/>
+          </a:fontRef>
+        </p:style>
+        <p:txBody>
+          <a:bodyPr rtlCol="0" anchor="ctr"/>
+          <a:lstStyle/>
+          <a:p>
+            <a:pPr algn="ctr"/>
+            <a:endParaRPr lang="de-DE"/>
+          </a:p>
+        </p:txBody>
+      </p:sp>
+      <p:sp>
+        <p:nvSpPr>
+          <p:cNvPr id="99" name="Rechteck 98"/>
+          <p:cNvSpPr/>
+          <p:nvPr/>
+        </p:nvSpPr>
+        <p:spPr>
+          <a:xfrm>
+            <a:off x="4632882" y="2713134"/>
+            <a:ext cx="418812" cy="144016"/>
+          </a:xfrm>
+          <a:prstGeom prst="rect">
+            <a:avLst/>
+          </a:prstGeom>
+          <a:solidFill>
+            <a:schemeClr val="bg1"/>
+          </a:solidFill>
+          <a:ln>
+            <a:noFill/>
+          </a:ln>
+        </p:spPr>
+        <p:style>
+          <a:lnRef idx="2">
+            <a:schemeClr val="accent1">
+              <a:shade val="50000"/>
+            </a:schemeClr>
+          </a:lnRef>
+          <a:fillRef idx="1">
+            <a:schemeClr val="accent1"/>
+          </a:fillRef>
+          <a:effectRef idx="0">
+            <a:schemeClr val="accent1"/>
+          </a:effectRef>
+          <a:fontRef idx="minor">
+            <a:schemeClr val="lt1"/>
+          </a:fontRef>
+        </p:style>
+        <p:txBody>
+          <a:bodyPr rtlCol="0" anchor="ctr"/>
+          <a:lstStyle/>
+          <a:p>
+            <a:pPr algn="ctr"/>
+            <a:endParaRPr lang="de-DE"/>
+          </a:p>
+        </p:txBody>
+      </p:sp>
       <p:grpSp>
         <p:nvGrpSpPr>
-          <p:cNvPr id="78" name="Gruppieren 77"/>
+          <p:cNvPr id="100" name="Gruppieren 99"/>
           <p:cNvGrpSpPr/>
           <p:nvPr/>
         </p:nvGrpSpPr>
         <p:grpSpPr>
-          <a:xfrm>
-            <a:off x="2262754" y="2708920"/>
+          <a:xfrm rot="5400000">
+            <a:off x="3428937" y="2739636"/>
+            <a:ext cx="288032" cy="107868"/>
+            <a:chOff x="2123728" y="2169004"/>
+            <a:chExt cx="288032" cy="107868"/>
+          </a:xfrm>
+        </p:grpSpPr>
+        <p:cxnSp>
+          <p:nvCxnSpPr>
+            <p:cNvPr id="101" name="Gerade Verbindung 100"/>
+            <p:cNvCxnSpPr/>
+            <p:nvPr/>
+          </p:nvCxnSpPr>
+          <p:spPr>
+            <a:xfrm>
+              <a:off x="2123728" y="2276872"/>
+              <a:ext cx="288032" cy="0"/>
+            </a:xfrm>
+            <a:prstGeom prst="line">
+              <a:avLst/>
+            </a:prstGeom>
+            <a:ln w="19050">
+              <a:solidFill>
+                <a:schemeClr val="tx1"/>
+              </a:solidFill>
+              <a:prstDash val="solid"/>
+            </a:ln>
+          </p:spPr>
+          <p:style>
+            <a:lnRef idx="1">
+              <a:schemeClr val="accent1"/>
+            </a:lnRef>
+            <a:fillRef idx="0">
+              <a:schemeClr val="accent1"/>
+            </a:fillRef>
+            <a:effectRef idx="0">
+              <a:schemeClr val="accent1"/>
+            </a:effectRef>
+            <a:fontRef idx="minor">
+              <a:schemeClr val="tx1"/>
+            </a:fontRef>
+          </p:style>
+        </p:cxnSp>
+        <p:cxnSp>
+          <p:nvCxnSpPr>
+            <p:cNvPr id="102" name="Gerade Verbindung 101"/>
+            <p:cNvCxnSpPr/>
+            <p:nvPr/>
+          </p:nvCxnSpPr>
+          <p:spPr>
+            <a:xfrm>
+              <a:off x="2123728" y="2169004"/>
+              <a:ext cx="288032" cy="0"/>
+            </a:xfrm>
+            <a:prstGeom prst="line">
+              <a:avLst/>
+            </a:prstGeom>
+            <a:ln w="19050">
+              <a:solidFill>
+                <a:schemeClr val="tx1"/>
+              </a:solidFill>
+              <a:prstDash val="solid"/>
+            </a:ln>
+          </p:spPr>
+          <p:style>
+            <a:lnRef idx="1">
+              <a:schemeClr val="accent1"/>
+            </a:lnRef>
+            <a:fillRef idx="0">
+              <a:schemeClr val="accent1"/>
+            </a:fillRef>
+            <a:effectRef idx="0">
+              <a:schemeClr val="accent1"/>
+            </a:effectRef>
+            <a:fontRef idx="minor">
+              <a:schemeClr val="tx1"/>
+            </a:fontRef>
+          </p:style>
+        </p:cxnSp>
+      </p:grpSp>
+      <p:sp>
+        <p:nvSpPr>
+          <p:cNvPr id="103" name="Textfeld 102"/>
+          <p:cNvSpPr txBox="1"/>
+          <p:nvPr/>
+        </p:nvSpPr>
+        <p:spPr>
+          <a:xfrm>
+            <a:off x="3352854" y="2204864"/>
+            <a:ext cx="407484" cy="369332"/>
+          </a:xfrm>
+          <a:prstGeom prst="rect">
+            <a:avLst/>
+          </a:prstGeom>
+          <a:noFill/>
+        </p:spPr>
+        <p:txBody>
+          <a:bodyPr wrap="none" rtlCol="0">
+            <a:spAutoFit/>
+          </a:bodyPr>
+          <a:lstStyle/>
+          <a:p>
+            <a:r>
+              <a:rPr lang="de-DE" i="1" dirty="0" err="1" smtClean="0">
+                <a:latin typeface="Times New Roman" pitchFamily="18" charset="0"/>
+                <a:cs typeface="Times New Roman" pitchFamily="18" charset="0"/>
+              </a:rPr>
+              <a:t>C</a:t>
+            </a:r>
+            <a:r>
+              <a:rPr lang="de-DE" i="1" baseline="-25000" dirty="0" err="1" smtClean="0">
+                <a:latin typeface="Times New Roman" pitchFamily="18" charset="0"/>
+                <a:cs typeface="Times New Roman" pitchFamily="18" charset="0"/>
+              </a:rPr>
+              <a:t>e</a:t>
+            </a:r>
+            <a:endParaRPr lang="de-DE" i="1" baseline="-25000" dirty="0">
+              <a:latin typeface="Times New Roman" pitchFamily="18" charset="0"/>
+              <a:cs typeface="Times New Roman" pitchFamily="18" charset="0"/>
+            </a:endParaRPr>
+          </a:p>
+        </p:txBody>
+      </p:sp>
+      <p:sp>
+        <p:nvSpPr>
+          <p:cNvPr id="104" name="Textfeld 103"/>
+          <p:cNvSpPr txBox="1"/>
+          <p:nvPr/>
+        </p:nvSpPr>
+        <p:spPr>
+          <a:xfrm>
+            <a:off x="4648998" y="2204864"/>
+            <a:ext cx="381836" cy="369332"/>
+          </a:xfrm>
+          <a:prstGeom prst="rect">
+            <a:avLst/>
+          </a:prstGeom>
+          <a:noFill/>
+        </p:spPr>
+        <p:txBody>
+          <a:bodyPr wrap="none" rtlCol="0">
+            <a:spAutoFit/>
+          </a:bodyPr>
+          <a:lstStyle/>
+          <a:p>
+            <a:r>
+              <a:rPr lang="de-DE" i="1" dirty="0" smtClean="0">
+                <a:latin typeface="Times New Roman" pitchFamily="18" charset="0"/>
+                <a:cs typeface="Times New Roman" pitchFamily="18" charset="0"/>
+              </a:rPr>
+              <a:t>L</a:t>
+            </a:r>
+            <a:r>
+              <a:rPr lang="de-DE" i="1" baseline="-25000" dirty="0" smtClean="0">
+                <a:latin typeface="Times New Roman" pitchFamily="18" charset="0"/>
+                <a:cs typeface="Times New Roman" pitchFamily="18" charset="0"/>
+              </a:rPr>
+              <a:t>e</a:t>
+            </a:r>
+            <a:endParaRPr lang="de-DE" i="1" baseline="-25000" dirty="0">
+              <a:latin typeface="Times New Roman" pitchFamily="18" charset="0"/>
+              <a:cs typeface="Times New Roman" pitchFamily="18" charset="0"/>
+            </a:endParaRPr>
+          </a:p>
+        </p:txBody>
+      </p:sp>
+      <p:grpSp>
+        <p:nvGrpSpPr>
+          <p:cNvPr id="105" name="Gruppieren 26"/>
+          <p:cNvGrpSpPr/>
+          <p:nvPr/>
+        </p:nvGrpSpPr>
+        <p:grpSpPr>
+          <a:xfrm rot="5556335" flipH="1" flipV="1">
+            <a:off x="4770001" y="2600361"/>
+            <a:ext cx="156407" cy="407237"/>
+            <a:chOff x="3263465" y="1394775"/>
+            <a:chExt cx="384822" cy="1577366"/>
+          </a:xfrm>
+        </p:grpSpPr>
+        <p:sp>
+          <p:nvSpPr>
+            <p:cNvPr id="106" name="Bogen 105"/>
+            <p:cNvSpPr/>
+            <p:nvPr/>
+          </p:nvSpPr>
+          <p:spPr>
+            <a:xfrm rot="11021761" flipH="1" flipV="1">
+              <a:off x="3263465" y="1394775"/>
+              <a:ext cx="360040" cy="396044"/>
+            </a:xfrm>
+            <a:prstGeom prst="arc">
+              <a:avLst>
+                <a:gd name="adj1" fmla="val 15538480"/>
+                <a:gd name="adj2" fmla="val 5376446"/>
+              </a:avLst>
+            </a:prstGeom>
+            <a:ln w="19050">
+              <a:solidFill>
+                <a:schemeClr val="tx1"/>
+              </a:solidFill>
+              <a:prstDash val="solid"/>
+            </a:ln>
+          </p:spPr>
+          <p:style>
+            <a:lnRef idx="1">
+              <a:schemeClr val="accent1"/>
+            </a:lnRef>
+            <a:fillRef idx="0">
+              <a:schemeClr val="accent1"/>
+            </a:fillRef>
+            <a:effectRef idx="0">
+              <a:schemeClr val="accent1"/>
+            </a:effectRef>
+            <a:fontRef idx="minor">
+              <a:schemeClr val="tx1"/>
+            </a:fontRef>
+          </p:style>
+          <p:txBody>
+            <a:bodyPr rtlCol="0" anchor="ctr"/>
+            <a:lstStyle/>
+            <a:p>
+              <a:pPr algn="ctr"/>
+              <a:endParaRPr lang="de-DE" dirty="0"/>
+            </a:p>
+          </p:txBody>
+        </p:sp>
+        <p:sp>
+          <p:nvSpPr>
+            <p:cNvPr id="107" name="Bogen 106"/>
+            <p:cNvSpPr/>
+            <p:nvPr/>
+          </p:nvSpPr>
+          <p:spPr>
+            <a:xfrm rot="11021761" flipH="1" flipV="1">
+              <a:off x="3288246" y="1784010"/>
+              <a:ext cx="360040" cy="396044"/>
+            </a:xfrm>
+            <a:prstGeom prst="arc">
+              <a:avLst>
+                <a:gd name="adj1" fmla="val 15538480"/>
+                <a:gd name="adj2" fmla="val 5376446"/>
+              </a:avLst>
+            </a:prstGeom>
+            <a:ln w="19050">
+              <a:solidFill>
+                <a:schemeClr val="tx1"/>
+              </a:solidFill>
+              <a:prstDash val="solid"/>
+            </a:ln>
+          </p:spPr>
+          <p:style>
+            <a:lnRef idx="1">
+              <a:schemeClr val="accent1"/>
+            </a:lnRef>
+            <a:fillRef idx="0">
+              <a:schemeClr val="accent1"/>
+            </a:fillRef>
+            <a:effectRef idx="0">
+              <a:schemeClr val="accent1"/>
+            </a:effectRef>
+            <a:fontRef idx="minor">
+              <a:schemeClr val="tx1"/>
+            </a:fontRef>
+          </p:style>
+          <p:txBody>
+            <a:bodyPr rtlCol="0" anchor="ctr"/>
+            <a:lstStyle/>
+            <a:p>
+              <a:pPr algn="ctr"/>
+              <a:endParaRPr lang="de-DE" dirty="0"/>
+            </a:p>
+          </p:txBody>
+        </p:sp>
+        <p:sp>
+          <p:nvSpPr>
+            <p:cNvPr id="108" name="Bogen 107"/>
+            <p:cNvSpPr/>
+            <p:nvPr/>
+          </p:nvSpPr>
+          <p:spPr>
+            <a:xfrm rot="11021761" flipH="1" flipV="1">
+              <a:off x="3288247" y="2170945"/>
+              <a:ext cx="360040" cy="396044"/>
+            </a:xfrm>
+            <a:prstGeom prst="arc">
+              <a:avLst>
+                <a:gd name="adj1" fmla="val 15538480"/>
+                <a:gd name="adj2" fmla="val 5376446"/>
+              </a:avLst>
+            </a:prstGeom>
+            <a:ln w="19050">
+              <a:solidFill>
+                <a:schemeClr val="tx1"/>
+              </a:solidFill>
+              <a:prstDash val="solid"/>
+            </a:ln>
+          </p:spPr>
+          <p:style>
+            <a:lnRef idx="1">
+              <a:schemeClr val="accent1"/>
+            </a:lnRef>
+            <a:fillRef idx="0">
+              <a:schemeClr val="accent1"/>
+            </a:fillRef>
+            <a:effectRef idx="0">
+              <a:schemeClr val="accent1"/>
+            </a:effectRef>
+            <a:fontRef idx="minor">
+              <a:schemeClr val="tx1"/>
+            </a:fontRef>
+          </p:style>
+          <p:txBody>
+            <a:bodyPr rtlCol="0" anchor="ctr"/>
+            <a:lstStyle/>
+            <a:p>
+              <a:pPr algn="ctr"/>
+              <a:endParaRPr lang="de-DE" dirty="0"/>
+            </a:p>
+          </p:txBody>
+        </p:sp>
+        <p:sp>
+          <p:nvSpPr>
+            <p:cNvPr id="109" name="Bogen 108"/>
+            <p:cNvSpPr/>
+            <p:nvPr/>
+          </p:nvSpPr>
+          <p:spPr>
+            <a:xfrm rot="11021761" flipH="1" flipV="1">
+              <a:off x="3288247" y="2576097"/>
+              <a:ext cx="360040" cy="396044"/>
+            </a:xfrm>
+            <a:prstGeom prst="arc">
+              <a:avLst>
+                <a:gd name="adj1" fmla="val 15538480"/>
+                <a:gd name="adj2" fmla="val 5376446"/>
+              </a:avLst>
+            </a:prstGeom>
+            <a:ln w="19050">
+              <a:solidFill>
+                <a:schemeClr val="tx1"/>
+              </a:solidFill>
+              <a:prstDash val="solid"/>
+            </a:ln>
+          </p:spPr>
+          <p:style>
+            <a:lnRef idx="1">
+              <a:schemeClr val="accent1"/>
+            </a:lnRef>
+            <a:fillRef idx="0">
+              <a:schemeClr val="accent1"/>
+            </a:fillRef>
+            <a:effectRef idx="0">
+              <a:schemeClr val="accent1"/>
+            </a:effectRef>
+            <a:fontRef idx="minor">
+              <a:schemeClr val="tx1"/>
+            </a:fontRef>
+          </p:style>
+          <p:txBody>
+            <a:bodyPr rtlCol="0" anchor="ctr"/>
+            <a:lstStyle/>
+            <a:p>
+              <a:pPr algn="ctr"/>
+              <a:endParaRPr lang="de-DE" dirty="0"/>
+            </a:p>
+          </p:txBody>
+        </p:sp>
+      </p:grpSp>
+      <p:sp>
+        <p:nvSpPr>
+          <p:cNvPr id="110" name="Textfeld 109"/>
+          <p:cNvSpPr txBox="1"/>
+          <p:nvPr/>
+        </p:nvSpPr>
+        <p:spPr>
+          <a:xfrm>
+            <a:off x="4051138" y="2204864"/>
+            <a:ext cx="394660" cy="369332"/>
+          </a:xfrm>
+          <a:prstGeom prst="rect">
+            <a:avLst/>
+          </a:prstGeom>
+          <a:noFill/>
+        </p:spPr>
+        <p:txBody>
+          <a:bodyPr wrap="none" rtlCol="0">
+            <a:spAutoFit/>
+          </a:bodyPr>
+          <a:lstStyle/>
+          <a:p>
+            <a:r>
+              <a:rPr lang="de-DE" i="1" dirty="0" smtClean="0">
+                <a:latin typeface="Times New Roman" pitchFamily="18" charset="0"/>
+                <a:cs typeface="Times New Roman" pitchFamily="18" charset="0"/>
+              </a:rPr>
+              <a:t>E</a:t>
+            </a:r>
+            <a:r>
+              <a:rPr lang="de-DE" i="1" baseline="-25000" dirty="0" smtClean="0">
+                <a:latin typeface="Times New Roman" pitchFamily="18" charset="0"/>
+                <a:cs typeface="Times New Roman" pitchFamily="18" charset="0"/>
+              </a:rPr>
+              <a:t>J</a:t>
+            </a:r>
+            <a:endParaRPr lang="de-DE" i="1" baseline="-25000" dirty="0">
+              <a:latin typeface="Times New Roman" pitchFamily="18" charset="0"/>
+              <a:cs typeface="Times New Roman" pitchFamily="18" charset="0"/>
+            </a:endParaRPr>
+          </a:p>
+        </p:txBody>
+      </p:sp>
+      <p:grpSp>
+        <p:nvGrpSpPr>
+          <p:cNvPr id="111" name="Gruppieren 110"/>
+          <p:cNvGrpSpPr/>
+          <p:nvPr/>
+        </p:nvGrpSpPr>
+        <p:grpSpPr>
+          <a:xfrm>
+            <a:off x="2699792" y="2708920"/>
             <a:ext cx="509046" cy="216024"/>
             <a:chOff x="2406770" y="3212976"/>
             <a:chExt cx="725070" cy="216024"/>
@@ -5047,7 +4911,7 @@
         </p:grpSpPr>
         <p:sp>
           <p:nvSpPr>
-            <p:cNvPr id="77" name="Rechteck 76"/>
+            <p:cNvPr id="112" name="Rechteck 111"/>
             <p:cNvSpPr/>
             <p:nvPr/>
           </p:nvSpPr>
@@ -5093,7 +4957,7 @@
         </p:sp>
         <p:sp>
           <p:nvSpPr>
-            <p:cNvPr id="62" name="Freihandform 61"/>
+            <p:cNvPr id="113" name="Freihandform 112"/>
             <p:cNvSpPr/>
             <p:nvPr/>
           </p:nvSpPr>
@@ -5235,13 +5099,13 @@
       </p:grpSp>
       <p:sp>
         <p:nvSpPr>
-          <p:cNvPr id="79" name="Textfeld 78"/>
+          <p:cNvPr id="114" name="Textfeld 113"/>
           <p:cNvSpPr txBox="1"/>
           <p:nvPr/>
         </p:nvSpPr>
         <p:spPr>
           <a:xfrm>
-            <a:off x="2411760" y="2204864"/>
+            <a:off x="2848798" y="2204864"/>
             <a:ext cx="394660" cy="369332"/>
           </a:xfrm>
           <a:prstGeom prst="rect">
@@ -5278,13 +5142,13 @@
       </p:sp>
       <p:sp>
         <p:nvSpPr>
-          <p:cNvPr id="61" name="Ellipse 60"/>
+          <p:cNvPr id="115" name="Ellipse 114"/>
           <p:cNvSpPr/>
           <p:nvPr/>
         </p:nvSpPr>
         <p:spPr>
           <a:xfrm>
-            <a:off x="4738894" y="2760676"/>
+            <a:off x="5175932" y="2760676"/>
             <a:ext cx="72008" cy="72008"/>
           </a:xfrm>
           <a:prstGeom prst="ellipse">
@@ -5324,13 +5188,13 @@
       </p:sp>
       <p:sp>
         <p:nvSpPr>
-          <p:cNvPr id="80" name="Ellipse 79"/>
+          <p:cNvPr id="116" name="Ellipse 115"/>
           <p:cNvSpPr/>
           <p:nvPr/>
         </p:nvSpPr>
         <p:spPr>
           <a:xfrm>
-            <a:off x="4024814" y="2763676"/>
+            <a:off x="4461852" y="2763676"/>
             <a:ext cx="72008" cy="72008"/>
           </a:xfrm>
           <a:prstGeom prst="ellipse">
@@ -5370,13 +5234,13 @@
       </p:sp>
       <p:sp>
         <p:nvSpPr>
-          <p:cNvPr id="81" name="Ellipse 80"/>
+          <p:cNvPr id="117" name="Ellipse 116"/>
           <p:cNvSpPr/>
           <p:nvPr/>
         </p:nvSpPr>
         <p:spPr>
           <a:xfrm>
-            <a:off x="3368116" y="2755050"/>
+            <a:off x="3805154" y="2755050"/>
             <a:ext cx="72008" cy="72008"/>
           </a:xfrm>
           <a:prstGeom prst="ellipse">
@@ -5416,13 +5280,13 @@
       </p:sp>
       <p:sp>
         <p:nvSpPr>
-          <p:cNvPr id="82" name="Textfeld 81"/>
+          <p:cNvPr id="118" name="Textfeld 117"/>
           <p:cNvSpPr txBox="1"/>
           <p:nvPr/>
         </p:nvSpPr>
         <p:spPr>
           <a:xfrm>
-            <a:off x="3256782" y="2844310"/>
+            <a:off x="3693820" y="2844310"/>
             <a:ext cx="298480" cy="338554"/>
           </a:xfrm>
           <a:prstGeom prst="rect">
@@ -5452,13 +5316,13 @@
       </p:sp>
       <p:sp>
         <p:nvSpPr>
-          <p:cNvPr id="83" name="Textfeld 82"/>
+          <p:cNvPr id="119" name="Textfeld 118"/>
           <p:cNvSpPr txBox="1"/>
           <p:nvPr/>
         </p:nvSpPr>
         <p:spPr>
           <a:xfrm>
-            <a:off x="3907854" y="2844310"/>
+            <a:off x="4344892" y="2844310"/>
             <a:ext cx="298480" cy="338554"/>
           </a:xfrm>
           <a:prstGeom prst="rect">
@@ -5488,13 +5352,13 @@
       </p:sp>
       <p:sp>
         <p:nvSpPr>
-          <p:cNvPr id="84" name="Textfeld 83"/>
+          <p:cNvPr id="120" name="Textfeld 119"/>
           <p:cNvSpPr txBox="1"/>
           <p:nvPr/>
         </p:nvSpPr>
         <p:spPr>
           <a:xfrm>
-            <a:off x="4624934" y="2844310"/>
+            <a:off x="5061972" y="2844310"/>
             <a:ext cx="298480" cy="338554"/>
           </a:xfrm>
           <a:prstGeom prst="rect">
@@ -5524,13 +5388,13 @@
       </p:sp>
       <p:grpSp>
         <p:nvGrpSpPr>
-          <p:cNvPr id="89" name="Gruppieren 88"/>
+          <p:cNvPr id="121" name="Gruppieren 120"/>
           <p:cNvGrpSpPr/>
           <p:nvPr/>
         </p:nvGrpSpPr>
         <p:grpSpPr>
           <a:xfrm>
-            <a:off x="3707904" y="2694666"/>
+            <a:off x="4144942" y="2694666"/>
             <a:ext cx="216024" cy="216024"/>
             <a:chOff x="2771800" y="2348880"/>
             <a:chExt cx="288032" cy="288032"/>
@@ -5538,7 +5402,7 @@
         </p:grpSpPr>
         <p:cxnSp>
           <p:nvCxnSpPr>
-            <p:cNvPr id="90" name="Gerade Verbindung 89"/>
+            <p:cNvPr id="122" name="Gerade Verbindung 121"/>
             <p:cNvCxnSpPr/>
             <p:nvPr/>
           </p:nvCxnSpPr>
@@ -5573,7 +5437,7 @@
         </p:cxnSp>
         <p:cxnSp>
           <p:nvCxnSpPr>
-            <p:cNvPr id="91" name="Gerade Verbindung 90"/>
+            <p:cNvPr id="123" name="Gerade Verbindung 122"/>
             <p:cNvCxnSpPr/>
             <p:nvPr/>
           </p:nvCxnSpPr>
@@ -5607,6 +5471,105 @@
           </p:style>
         </p:cxnSp>
       </p:grpSp>
+      <p:sp>
+        <p:nvSpPr>
+          <p:cNvPr id="20" name="Ellipse 19"/>
+          <p:cNvSpPr/>
+          <p:nvPr/>
+        </p:nvSpPr>
+        <p:spPr>
+          <a:xfrm>
+            <a:off x="2140980" y="2611034"/>
+            <a:ext cx="360040" cy="360040"/>
+          </a:xfrm>
+          <a:prstGeom prst="ellipse">
+            <a:avLst/>
+          </a:prstGeom>
+          <a:solidFill>
+            <a:schemeClr val="bg1"/>
+          </a:solidFill>
+          <a:ln w="19050">
+            <a:solidFill>
+              <a:schemeClr val="tx1"/>
+            </a:solidFill>
+          </a:ln>
+        </p:spPr>
+        <p:style>
+          <a:lnRef idx="2">
+            <a:schemeClr val="accent1">
+              <a:shade val="50000"/>
+            </a:schemeClr>
+          </a:lnRef>
+          <a:fillRef idx="1">
+            <a:schemeClr val="accent1"/>
+          </a:fillRef>
+          <a:effectRef idx="0">
+            <a:schemeClr val="accent1"/>
+          </a:effectRef>
+          <a:fontRef idx="minor">
+            <a:schemeClr val="lt1"/>
+          </a:fontRef>
+        </p:style>
+        <p:txBody>
+          <a:bodyPr rtlCol="0" anchor="ctr"/>
+          <a:lstStyle/>
+          <a:p>
+            <a:pPr algn="ctr"/>
+            <a:endParaRPr lang="de-DE" sz="1400" i="1" baseline="-25000" dirty="0">
+              <a:solidFill>
+                <a:schemeClr val="tx1"/>
+              </a:solidFill>
+              <a:latin typeface="Times New Roman" pitchFamily="18" charset="0"/>
+              <a:cs typeface="Times New Roman" pitchFamily="18" charset="0"/>
+            </a:endParaRPr>
+          </a:p>
+        </p:txBody>
+      </p:sp>
+      <p:sp>
+        <p:nvSpPr>
+          <p:cNvPr id="21" name="Rechteck 20"/>
+          <p:cNvSpPr/>
+          <p:nvPr/>
+        </p:nvSpPr>
+        <p:spPr>
+          <a:xfrm>
+            <a:off x="2161812" y="2627437"/>
+            <a:ext cx="293670" cy="307777"/>
+          </a:xfrm>
+          <a:prstGeom prst="rect">
+            <a:avLst/>
+          </a:prstGeom>
+          <a:ln w="19050">
+            <a:noFill/>
+          </a:ln>
+        </p:spPr>
+        <p:txBody>
+          <a:bodyPr wrap="none">
+            <a:spAutoFit/>
+          </a:bodyPr>
+          <a:lstStyle/>
+          <a:p>
+            <a:pPr algn="ctr"/>
+            <a:r>
+              <a:rPr lang="de-DE" sz="1400" i="1" dirty="0" smtClean="0">
+                <a:solidFill>
+                  <a:schemeClr val="tx1"/>
+                </a:solidFill>
+                <a:latin typeface="Times New Roman" pitchFamily="18" charset="0"/>
+                <a:cs typeface="Times New Roman" pitchFamily="18" charset="0"/>
+              </a:rPr>
+              <a:t>V</a:t>
+            </a:r>
+            <a:endParaRPr lang="de-DE" sz="2000" i="1" baseline="-25000" dirty="0">
+              <a:solidFill>
+                <a:schemeClr val="tx1"/>
+              </a:solidFill>
+              <a:latin typeface="Times New Roman" pitchFamily="18" charset="0"/>
+              <a:cs typeface="Times New Roman" pitchFamily="18" charset="0"/>
+            </a:endParaRPr>
+          </a:p>
+        </p:txBody>
+      </p:sp>
     </p:spTree>
   </p:cSld>
   <p:clrMapOvr>
